--- a/Lec-28-29.pptx
+++ b/Lec-28-29.pptx
@@ -5,7 +5,7 @@
     <p:sldMasterId id="2147483648" r:id="rId1"/>
   </p:sldMasterIdLst>
   <p:notesMasterIdLst>
-    <p:notesMasterId r:id="rId24"/>
+    <p:notesMasterId r:id="rId26"/>
   </p:notesMasterIdLst>
   <p:sldIdLst>
     <p:sldId id="337" r:id="rId2"/>
@@ -16,20 +16,22 @@
     <p:sldId id="407" r:id="rId7"/>
     <p:sldId id="408" r:id="rId8"/>
     <p:sldId id="414" r:id="rId9"/>
-    <p:sldId id="402" r:id="rId10"/>
-    <p:sldId id="409" r:id="rId11"/>
-    <p:sldId id="410" r:id="rId12"/>
-    <p:sldId id="415" r:id="rId13"/>
-    <p:sldId id="412" r:id="rId14"/>
-    <p:sldId id="411" r:id="rId15"/>
-    <p:sldId id="413" r:id="rId16"/>
-    <p:sldId id="416" r:id="rId17"/>
-    <p:sldId id="417" r:id="rId18"/>
-    <p:sldId id="418" r:id="rId19"/>
-    <p:sldId id="419" r:id="rId20"/>
-    <p:sldId id="420" r:id="rId21"/>
-    <p:sldId id="421" r:id="rId22"/>
-    <p:sldId id="422" r:id="rId23"/>
+    <p:sldId id="409" r:id="rId10"/>
+    <p:sldId id="410" r:id="rId11"/>
+    <p:sldId id="415" r:id="rId12"/>
+    <p:sldId id="412" r:id="rId13"/>
+    <p:sldId id="411" r:id="rId14"/>
+    <p:sldId id="413" r:id="rId15"/>
+    <p:sldId id="416" r:id="rId16"/>
+    <p:sldId id="417" r:id="rId17"/>
+    <p:sldId id="418" r:id="rId18"/>
+    <p:sldId id="419" r:id="rId19"/>
+    <p:sldId id="424" r:id="rId20"/>
+    <p:sldId id="423" r:id="rId21"/>
+    <p:sldId id="420" r:id="rId22"/>
+    <p:sldId id="421" r:id="rId23"/>
+    <p:sldId id="422" r:id="rId24"/>
+    <p:sldId id="402" r:id="rId25"/>
   </p:sldIdLst>
   <p:sldSz cx="9144000" cy="6858000" type="screen4x3"/>
   <p:notesSz cx="6858000" cy="9144000"/>
@@ -311,7 +313,7 @@
               <a:pPr>
                 <a:defRPr/>
               </a:pPr>
-              <a:t>10/23/2025</a:t>
+              <a:t>10/27/2025</a:t>
             </a:fld>
             <a:endParaRPr lang="en-US"/>
           </a:p>
@@ -6630,755 +6632,6 @@
           <a:chExt cx="0" cy="0"/>
         </a:xfrm>
       </p:grpSpPr>
-      <p:sp>
-        <p:nvSpPr>
-          <p:cNvPr id="3" name="Content Placeholder 2">
-            <a:extLst>
-              <a:ext uri="{FF2B5EF4-FFF2-40B4-BE49-F238E27FC236}">
-                <a16:creationId xmlns:a16="http://schemas.microsoft.com/office/drawing/2014/main" id="{04320BA9-B4FC-4E98-B0D2-9C193F905A0E}"/>
-              </a:ext>
-            </a:extLst>
-          </p:cNvPr>
-          <p:cNvSpPr>
-            <a:spLocks noGrp="1"/>
-          </p:cNvSpPr>
-          <p:nvPr>
-            <p:ph sz="quarter" idx="10"/>
-          </p:nvPr>
-        </p:nvSpPr>
-        <p:spPr/>
-        <p:txBody>
-          <a:bodyPr/>
-          <a:lstStyle/>
-          <a:p>
-            <a:r>
-              <a:rPr lang="en-US" dirty="0"/>
-              <a:t>The Bipolar Junction Transistor:</a:t>
-            </a:r>
-          </a:p>
-          <a:p>
-            <a:r>
-              <a:rPr lang="en-US" dirty="0"/>
-              <a:t>current-controlled current source</a:t>
-            </a:r>
-          </a:p>
-        </p:txBody>
-      </p:sp>
-      <p:pic>
-        <p:nvPicPr>
-          <p:cNvPr id="9218" name="Picture 2" descr="BJT: Definition, Symbol, Working, Characteristics, Types ...">
-            <a:extLst>
-              <a:ext uri="{FF2B5EF4-FFF2-40B4-BE49-F238E27FC236}">
-                <a16:creationId xmlns:a16="http://schemas.microsoft.com/office/drawing/2014/main" id="{B24FE55F-8D8C-4C8B-8FF5-3080EEAB6C7B}"/>
-              </a:ext>
-            </a:extLst>
-          </p:cNvPr>
-          <p:cNvPicPr>
-            <a:picLocks noGrp="1" noChangeAspect="1" noChangeArrowheads="1"/>
-          </p:cNvPicPr>
-          <p:nvPr>
-            <p:ph idx="1"/>
-          </p:nvPr>
-        </p:nvPicPr>
-        <p:blipFill>
-          <a:blip r:embed="rId2">
-            <a:extLst>
-              <a:ext uri="{28A0092B-C50C-407E-A947-70E740481C1C}">
-                <a14:useLocalDpi xmlns:a14="http://schemas.microsoft.com/office/drawing/2010/main" val="0"/>
-              </a:ext>
-            </a:extLst>
-          </a:blip>
-          <a:srcRect/>
-          <a:stretch>
-            <a:fillRect/>
-          </a:stretch>
-        </p:blipFill>
-        <p:spPr bwMode="auto">
-          <a:xfrm>
-            <a:off x="762000" y="4267200"/>
-            <a:ext cx="4119275" cy="2272831"/>
-          </a:xfrm>
-          <a:prstGeom prst="rect">
-            <a:avLst/>
-          </a:prstGeom>
-          <a:noFill/>
-          <a:extLst>
-            <a:ext uri="{909E8E84-426E-40DD-AFC4-6F175D3DCCD1}">
-              <a14:hiddenFill xmlns:a14="http://schemas.microsoft.com/office/drawing/2010/main">
-                <a:solidFill>
-                  <a:srgbClr val="FFFFFF"/>
-                </a:solidFill>
-              </a14:hiddenFill>
-            </a:ext>
-          </a:extLst>
-        </p:spPr>
-      </p:pic>
-      <p:pic>
-        <p:nvPicPr>
-          <p:cNvPr id="9220" name="Picture 4" descr="Bipolar Junction Transistor">
-            <a:extLst>
-              <a:ext uri="{FF2B5EF4-FFF2-40B4-BE49-F238E27FC236}">
-                <a16:creationId xmlns:a16="http://schemas.microsoft.com/office/drawing/2014/main" id="{2620CDAB-EB45-4346-923C-1690846701AE}"/>
-              </a:ext>
-            </a:extLst>
-          </p:cNvPr>
-          <p:cNvPicPr>
-            <a:picLocks noChangeAspect="1" noChangeArrowheads="1"/>
-          </p:cNvPicPr>
-          <p:nvPr/>
-        </p:nvPicPr>
-        <p:blipFill>
-          <a:blip r:embed="rId3">
-            <a:extLst>
-              <a:ext uri="{28A0092B-C50C-407E-A947-70E740481C1C}">
-                <a14:useLocalDpi xmlns:a14="http://schemas.microsoft.com/office/drawing/2010/main" val="0"/>
-              </a:ext>
-            </a:extLst>
-          </a:blip>
-          <a:srcRect/>
-          <a:stretch>
-            <a:fillRect/>
-          </a:stretch>
-        </p:blipFill>
-        <p:spPr bwMode="auto">
-          <a:xfrm>
-            <a:off x="5939029" y="984157"/>
-            <a:ext cx="2900171" cy="2471737"/>
-          </a:xfrm>
-          <a:prstGeom prst="rect">
-            <a:avLst/>
-          </a:prstGeom>
-          <a:noFill/>
-          <a:extLst>
-            <a:ext uri="{909E8E84-426E-40DD-AFC4-6F175D3DCCD1}">
-              <a14:hiddenFill xmlns:a14="http://schemas.microsoft.com/office/drawing/2010/main">
-                <a:solidFill>
-                  <a:srgbClr val="FFFFFF"/>
-                </a:solidFill>
-              </a14:hiddenFill>
-            </a:ext>
-          </a:extLst>
-        </p:spPr>
-      </p:pic>
-      <p:pic>
-        <p:nvPicPr>
-          <p:cNvPr id="9222" name="Picture 6">
-            <a:extLst>
-              <a:ext uri="{FF2B5EF4-FFF2-40B4-BE49-F238E27FC236}">
-                <a16:creationId xmlns:a16="http://schemas.microsoft.com/office/drawing/2014/main" id="{E47F3A45-BA87-4280-A885-17536326E948}"/>
-              </a:ext>
-            </a:extLst>
-          </p:cNvPr>
-          <p:cNvPicPr>
-            <a:picLocks noChangeAspect="1" noChangeArrowheads="1"/>
-          </p:cNvPicPr>
-          <p:nvPr/>
-        </p:nvPicPr>
-        <p:blipFill>
-          <a:blip r:embed="rId4">
-            <a:extLst>
-              <a:ext uri="{28A0092B-C50C-407E-A947-70E740481C1C}">
-                <a14:useLocalDpi xmlns:a14="http://schemas.microsoft.com/office/drawing/2010/main" val="0"/>
-              </a:ext>
-            </a:extLst>
-          </a:blip>
-          <a:srcRect/>
-          <a:stretch/>
-        </p:blipFill>
-        <p:spPr bwMode="auto">
-          <a:xfrm>
-            <a:off x="5806165" y="3539425"/>
-            <a:ext cx="3337835" cy="2670268"/>
-          </a:xfrm>
-          <a:prstGeom prst="rect">
-            <a:avLst/>
-          </a:prstGeom>
-          <a:noFill/>
-          <a:extLst>
-            <a:ext uri="{909E8E84-426E-40DD-AFC4-6F175D3DCCD1}">
-              <a14:hiddenFill xmlns:a14="http://schemas.microsoft.com/office/drawing/2010/main">
-                <a:solidFill>
-                  <a:srgbClr val="FFFFFF"/>
-                </a:solidFill>
-              </a14:hiddenFill>
-            </a:ext>
-          </a:extLst>
-        </p:spPr>
-      </p:pic>
-      <p:sp>
-        <p:nvSpPr>
-          <p:cNvPr id="8" name="TextBox 7">
-            <a:extLst>
-              <a:ext uri="{FF2B5EF4-FFF2-40B4-BE49-F238E27FC236}">
-                <a16:creationId xmlns:a16="http://schemas.microsoft.com/office/drawing/2014/main" id="{46832699-0E38-4FE5-B5E7-477970BA5E61}"/>
-              </a:ext>
-            </a:extLst>
-          </p:cNvPr>
-          <p:cNvSpPr txBox="1"/>
-          <p:nvPr/>
-        </p:nvSpPr>
-        <p:spPr>
-          <a:xfrm>
-            <a:off x="156971" y="1404878"/>
-            <a:ext cx="5634229" cy="2862322"/>
-          </a:xfrm>
-          <a:prstGeom prst="rect">
-            <a:avLst/>
-          </a:prstGeom>
-          <a:noFill/>
-        </p:spPr>
-        <p:txBody>
-          <a:bodyPr wrap="square">
-            <a:spAutoFit/>
-          </a:bodyPr>
-          <a:lstStyle/>
-          <a:p>
-            <a:pPr marL="285750" indent="-285750">
-              <a:spcAft>
-                <a:spcPts val="600"/>
-              </a:spcAft>
-              <a:buFont typeface="Arial" panose="020B0604020202020204" pitchFamily="34" charset="0"/>
-              <a:buChar char="•"/>
-            </a:pPr>
-            <a:r>
-              <a:rPr lang="en-US" sz="1600" b="1" dirty="0">
-                <a:latin typeface="+mn-lt"/>
-              </a:rPr>
-              <a:t>Base–Emitter junction (BE)</a:t>
-            </a:r>
-            <a:r>
-              <a:rPr lang="en-US" sz="1600" dirty="0">
-                <a:latin typeface="+mn-lt"/>
-              </a:rPr>
-              <a:t> is </a:t>
-            </a:r>
-            <a:r>
-              <a:rPr lang="en-US" sz="1600" b="1" dirty="0">
-                <a:latin typeface="+mn-lt"/>
-              </a:rPr>
-              <a:t>forward-biased</a:t>
-            </a:r>
-            <a:r>
-              <a:rPr lang="en-US" sz="1600" dirty="0">
-                <a:latin typeface="+mn-lt"/>
-              </a:rPr>
-              <a:t> so that the emitter injects carriers (electrons)</a:t>
-            </a:r>
-          </a:p>
-          <a:p>
-            <a:pPr marL="285750" indent="-285750">
-              <a:spcAft>
-                <a:spcPts val="600"/>
-              </a:spcAft>
-              <a:buFont typeface="Arial" panose="020B0604020202020204" pitchFamily="34" charset="0"/>
-              <a:buChar char="•"/>
-            </a:pPr>
-            <a:r>
-              <a:rPr lang="en-US" sz="1600" dirty="0">
-                <a:latin typeface="+mn-lt"/>
-              </a:rPr>
-              <a:t>Only a small fraction of electrons recombine with holes in the base → this small recombination current forms the </a:t>
-            </a:r>
-            <a:r>
-              <a:rPr lang="en-US" sz="1600" b="1" dirty="0">
-                <a:latin typeface="+mn-lt"/>
-              </a:rPr>
-              <a:t>base current IBI_BIB​</a:t>
-            </a:r>
-          </a:p>
-          <a:p>
-            <a:pPr marL="285750" indent="-285750">
-              <a:spcAft>
-                <a:spcPts val="600"/>
-              </a:spcAft>
-              <a:buFont typeface="Arial" panose="020B0604020202020204" pitchFamily="34" charset="0"/>
-              <a:buChar char="•"/>
-            </a:pPr>
-            <a:r>
-              <a:rPr lang="en-US" sz="1600" dirty="0">
-                <a:latin typeface="+mn-lt"/>
-              </a:rPr>
-              <a:t>Majority of electrons that enter the base </a:t>
-            </a:r>
-            <a:r>
-              <a:rPr lang="en-US" sz="1600" b="1" dirty="0">
-                <a:latin typeface="+mn-lt"/>
-              </a:rPr>
-              <a:t>diffuse across it</a:t>
-            </a:r>
-            <a:r>
-              <a:rPr lang="en-US" sz="1600" dirty="0">
-                <a:latin typeface="+mn-lt"/>
-              </a:rPr>
-              <a:t> and reach the </a:t>
-            </a:r>
-            <a:r>
-              <a:rPr lang="en-US" sz="1600" b="1" dirty="0">
-                <a:latin typeface="+mn-lt"/>
-              </a:rPr>
-              <a:t>collector-base junction</a:t>
-            </a:r>
-            <a:r>
-              <a:rPr lang="en-US" sz="1600" dirty="0">
-                <a:latin typeface="+mn-lt"/>
-              </a:rPr>
-              <a:t>,</a:t>
-            </a:r>
-          </a:p>
-          <a:p>
-            <a:pPr marL="285750" indent="-285750">
-              <a:spcAft>
-                <a:spcPts val="600"/>
-              </a:spcAft>
-              <a:buFont typeface="Arial" panose="020B0604020202020204" pitchFamily="34" charset="0"/>
-              <a:buChar char="•"/>
-            </a:pPr>
-            <a:r>
-              <a:rPr lang="en-US" sz="1600" b="1" dirty="0">
-                <a:latin typeface="+mn-lt"/>
-              </a:rPr>
-              <a:t>Base–Collector junction (BC)</a:t>
-            </a:r>
-            <a:r>
-              <a:rPr lang="en-US" sz="1600" dirty="0">
-                <a:latin typeface="+mn-lt"/>
-              </a:rPr>
-              <a:t> is </a:t>
-            </a:r>
-            <a:r>
-              <a:rPr lang="en-US" sz="1600" b="1" dirty="0">
-                <a:latin typeface="+mn-lt"/>
-              </a:rPr>
-              <a:t>reverse-biased</a:t>
-            </a:r>
-          </a:p>
-          <a:p>
-            <a:pPr marL="285750" indent="-285750">
-              <a:spcAft>
-                <a:spcPts val="600"/>
-              </a:spcAft>
-              <a:buFont typeface="Arial" panose="020B0604020202020204" pitchFamily="34" charset="0"/>
-              <a:buChar char="•"/>
-            </a:pPr>
-            <a:r>
-              <a:rPr lang="en-US" sz="1600" dirty="0">
-                <a:latin typeface="+mn-lt"/>
-              </a:rPr>
-              <a:t>The electric field in the reverse-biased junction </a:t>
-            </a:r>
-            <a:r>
-              <a:rPr lang="en-US" sz="1600" b="1" dirty="0">
-                <a:latin typeface="+mn-lt"/>
-              </a:rPr>
-              <a:t>sweeps these electrons into the collector</a:t>
-            </a:r>
-            <a:r>
-              <a:rPr lang="en-US" sz="1600" dirty="0">
-                <a:latin typeface="+mn-lt"/>
-              </a:rPr>
-              <a:t>.</a:t>
-            </a:r>
-          </a:p>
-        </p:txBody>
-      </p:sp>
-    </p:spTree>
-    <p:extLst>
-      <p:ext uri="{BB962C8B-B14F-4D97-AF65-F5344CB8AC3E}">
-        <p14:creationId xmlns:p14="http://schemas.microsoft.com/office/powerpoint/2010/main" val="168573872"/>
-      </p:ext>
-    </p:extLst>
-  </p:cSld>
-  <p:clrMapOvr>
-    <a:masterClrMapping/>
-  </p:clrMapOvr>
-  <p:timing>
-    <p:tnLst>
-      <p:par>
-        <p:cTn id="1" dur="indefinite" restart="never" nodeType="tmRoot">
-          <p:childTnLst>
-            <p:seq concurrent="1" nextAc="seek">
-              <p:cTn id="2" dur="indefinite" nodeType="mainSeq">
-                <p:childTnLst>
-                  <p:par>
-                    <p:cTn id="3" fill="hold">
-                      <p:stCondLst>
-                        <p:cond delay="indefinite"/>
-                      </p:stCondLst>
-                      <p:childTnLst>
-                        <p:par>
-                          <p:cTn id="4" fill="hold">
-                            <p:stCondLst>
-                              <p:cond delay="0"/>
-                            </p:stCondLst>
-                            <p:childTnLst>
-                              <p:par>
-                                <p:cTn id="5" presetID="1" presetClass="entr" presetSubtype="0" fill="hold" nodeType="clickEffect">
-                                  <p:stCondLst>
-                                    <p:cond delay="0"/>
-                                  </p:stCondLst>
-                                  <p:childTnLst>
-                                    <p:set>
-                                      <p:cBhvr>
-                                        <p:cTn id="6" dur="1" fill="hold">
-                                          <p:stCondLst>
-                                            <p:cond delay="0"/>
-                                          </p:stCondLst>
-                                        </p:cTn>
-                                        <p:tgtEl>
-                                          <p:spTgt spid="9222"/>
-                                        </p:tgtEl>
-                                        <p:attrNameLst>
-                                          <p:attrName>style.visibility</p:attrName>
-                                        </p:attrNameLst>
-                                      </p:cBhvr>
-                                      <p:to>
-                                        <p:strVal val="visible"/>
-                                      </p:to>
-                                    </p:set>
-                                  </p:childTnLst>
-                                </p:cTn>
-                              </p:par>
-                            </p:childTnLst>
-                          </p:cTn>
-                        </p:par>
-                      </p:childTnLst>
-                    </p:cTn>
-                  </p:par>
-                  <p:par>
-                    <p:cTn id="7" fill="hold">
-                      <p:stCondLst>
-                        <p:cond delay="indefinite"/>
-                      </p:stCondLst>
-                      <p:childTnLst>
-                        <p:par>
-                          <p:cTn id="8" fill="hold">
-                            <p:stCondLst>
-                              <p:cond delay="0"/>
-                            </p:stCondLst>
-                            <p:childTnLst>
-                              <p:par>
-                                <p:cTn id="9" presetID="1" presetClass="entr" presetSubtype="0" fill="hold" nodeType="clickEffect">
-                                  <p:stCondLst>
-                                    <p:cond delay="0"/>
-                                  </p:stCondLst>
-                                  <p:childTnLst>
-                                    <p:set>
-                                      <p:cBhvr>
-                                        <p:cTn id="10" dur="1" fill="hold">
-                                          <p:stCondLst>
-                                            <p:cond delay="0"/>
-                                          </p:stCondLst>
-                                        </p:cTn>
-                                        <p:tgtEl>
-                                          <p:spTgt spid="9218"/>
-                                        </p:tgtEl>
-                                        <p:attrNameLst>
-                                          <p:attrName>style.visibility</p:attrName>
-                                        </p:attrNameLst>
-                                      </p:cBhvr>
-                                      <p:to>
-                                        <p:strVal val="visible"/>
-                                      </p:to>
-                                    </p:set>
-                                  </p:childTnLst>
-                                </p:cTn>
-                              </p:par>
-                            </p:childTnLst>
-                          </p:cTn>
-                        </p:par>
-                      </p:childTnLst>
-                    </p:cTn>
-                  </p:par>
-                  <p:par>
-                    <p:cTn id="11" fill="hold">
-                      <p:stCondLst>
-                        <p:cond delay="indefinite"/>
-                      </p:stCondLst>
-                      <p:childTnLst>
-                        <p:par>
-                          <p:cTn id="12" fill="hold">
-                            <p:stCondLst>
-                              <p:cond delay="0"/>
-                            </p:stCondLst>
-                            <p:childTnLst>
-                              <p:par>
-                                <p:cTn id="13" presetID="1" presetClass="entr" presetSubtype="0" fill="hold" grpId="0" nodeType="clickEffect">
-                                  <p:stCondLst>
-                                    <p:cond delay="0"/>
-                                  </p:stCondLst>
-                                  <p:childTnLst>
-                                    <p:set>
-                                      <p:cBhvr>
-                                        <p:cTn id="14" dur="1" fill="hold">
-                                          <p:stCondLst>
-                                            <p:cond delay="0"/>
-                                          </p:stCondLst>
-                                        </p:cTn>
-                                        <p:tgtEl>
-                                          <p:spTgt spid="8">
-                                            <p:txEl>
-                                              <p:pRg st="0" end="0"/>
-                                            </p:txEl>
-                                          </p:spTgt>
-                                        </p:tgtEl>
-                                        <p:attrNameLst>
-                                          <p:attrName>style.visibility</p:attrName>
-                                        </p:attrNameLst>
-                                      </p:cBhvr>
-                                      <p:to>
-                                        <p:strVal val="visible"/>
-                                      </p:to>
-                                    </p:set>
-                                  </p:childTnLst>
-                                </p:cTn>
-                              </p:par>
-                            </p:childTnLst>
-                          </p:cTn>
-                        </p:par>
-                      </p:childTnLst>
-                    </p:cTn>
-                  </p:par>
-                  <p:par>
-                    <p:cTn id="15" fill="hold">
-                      <p:stCondLst>
-                        <p:cond delay="indefinite"/>
-                      </p:stCondLst>
-                      <p:childTnLst>
-                        <p:par>
-                          <p:cTn id="16" fill="hold">
-                            <p:stCondLst>
-                              <p:cond delay="0"/>
-                            </p:stCondLst>
-                            <p:childTnLst>
-                              <p:par>
-                                <p:cTn id="17" presetID="1" presetClass="entr" presetSubtype="0" fill="hold" grpId="0" nodeType="clickEffect">
-                                  <p:stCondLst>
-                                    <p:cond delay="0"/>
-                                  </p:stCondLst>
-                                  <p:childTnLst>
-                                    <p:set>
-                                      <p:cBhvr>
-                                        <p:cTn id="18" dur="1" fill="hold">
-                                          <p:stCondLst>
-                                            <p:cond delay="0"/>
-                                          </p:stCondLst>
-                                        </p:cTn>
-                                        <p:tgtEl>
-                                          <p:spTgt spid="8">
-                                            <p:txEl>
-                                              <p:pRg st="1" end="1"/>
-                                            </p:txEl>
-                                          </p:spTgt>
-                                        </p:tgtEl>
-                                        <p:attrNameLst>
-                                          <p:attrName>style.visibility</p:attrName>
-                                        </p:attrNameLst>
-                                      </p:cBhvr>
-                                      <p:to>
-                                        <p:strVal val="visible"/>
-                                      </p:to>
-                                    </p:set>
-                                  </p:childTnLst>
-                                </p:cTn>
-                              </p:par>
-                            </p:childTnLst>
-                          </p:cTn>
-                        </p:par>
-                      </p:childTnLst>
-                    </p:cTn>
-                  </p:par>
-                  <p:par>
-                    <p:cTn id="19" fill="hold">
-                      <p:stCondLst>
-                        <p:cond delay="indefinite"/>
-                      </p:stCondLst>
-                      <p:childTnLst>
-                        <p:par>
-                          <p:cTn id="20" fill="hold">
-                            <p:stCondLst>
-                              <p:cond delay="0"/>
-                            </p:stCondLst>
-                            <p:childTnLst>
-                              <p:par>
-                                <p:cTn id="21" presetID="1" presetClass="entr" presetSubtype="0" fill="hold" grpId="0" nodeType="clickEffect">
-                                  <p:stCondLst>
-                                    <p:cond delay="0"/>
-                                  </p:stCondLst>
-                                  <p:childTnLst>
-                                    <p:set>
-                                      <p:cBhvr>
-                                        <p:cTn id="22" dur="1" fill="hold">
-                                          <p:stCondLst>
-                                            <p:cond delay="0"/>
-                                          </p:stCondLst>
-                                        </p:cTn>
-                                        <p:tgtEl>
-                                          <p:spTgt spid="8">
-                                            <p:txEl>
-                                              <p:pRg st="2" end="2"/>
-                                            </p:txEl>
-                                          </p:spTgt>
-                                        </p:tgtEl>
-                                        <p:attrNameLst>
-                                          <p:attrName>style.visibility</p:attrName>
-                                        </p:attrNameLst>
-                                      </p:cBhvr>
-                                      <p:to>
-                                        <p:strVal val="visible"/>
-                                      </p:to>
-                                    </p:set>
-                                  </p:childTnLst>
-                                </p:cTn>
-                              </p:par>
-                            </p:childTnLst>
-                          </p:cTn>
-                        </p:par>
-                      </p:childTnLst>
-                    </p:cTn>
-                  </p:par>
-                  <p:par>
-                    <p:cTn id="23" fill="hold">
-                      <p:stCondLst>
-                        <p:cond delay="indefinite"/>
-                      </p:stCondLst>
-                      <p:childTnLst>
-                        <p:par>
-                          <p:cTn id="24" fill="hold">
-                            <p:stCondLst>
-                              <p:cond delay="0"/>
-                            </p:stCondLst>
-                            <p:childTnLst>
-                              <p:par>
-                                <p:cTn id="25" presetID="1" presetClass="entr" presetSubtype="0" fill="hold" grpId="0" nodeType="clickEffect">
-                                  <p:stCondLst>
-                                    <p:cond delay="0"/>
-                                  </p:stCondLst>
-                                  <p:childTnLst>
-                                    <p:set>
-                                      <p:cBhvr>
-                                        <p:cTn id="26" dur="1" fill="hold">
-                                          <p:stCondLst>
-                                            <p:cond delay="0"/>
-                                          </p:stCondLst>
-                                        </p:cTn>
-                                        <p:tgtEl>
-                                          <p:spTgt spid="8">
-                                            <p:txEl>
-                                              <p:pRg st="3" end="3"/>
-                                            </p:txEl>
-                                          </p:spTgt>
-                                        </p:tgtEl>
-                                        <p:attrNameLst>
-                                          <p:attrName>style.visibility</p:attrName>
-                                        </p:attrNameLst>
-                                      </p:cBhvr>
-                                      <p:to>
-                                        <p:strVal val="visible"/>
-                                      </p:to>
-                                    </p:set>
-                                  </p:childTnLst>
-                                </p:cTn>
-                              </p:par>
-                            </p:childTnLst>
-                          </p:cTn>
-                        </p:par>
-                      </p:childTnLst>
-                    </p:cTn>
-                  </p:par>
-                  <p:par>
-                    <p:cTn id="27" fill="hold">
-                      <p:stCondLst>
-                        <p:cond delay="indefinite"/>
-                      </p:stCondLst>
-                      <p:childTnLst>
-                        <p:par>
-                          <p:cTn id="28" fill="hold">
-                            <p:stCondLst>
-                              <p:cond delay="0"/>
-                            </p:stCondLst>
-                            <p:childTnLst>
-                              <p:par>
-                                <p:cTn id="29" presetID="1" presetClass="entr" presetSubtype="0" fill="hold" grpId="0" nodeType="clickEffect">
-                                  <p:stCondLst>
-                                    <p:cond delay="0"/>
-                                  </p:stCondLst>
-                                  <p:childTnLst>
-                                    <p:set>
-                                      <p:cBhvr>
-                                        <p:cTn id="30" dur="1" fill="hold">
-                                          <p:stCondLst>
-                                            <p:cond delay="0"/>
-                                          </p:stCondLst>
-                                        </p:cTn>
-                                        <p:tgtEl>
-                                          <p:spTgt spid="8">
-                                            <p:txEl>
-                                              <p:pRg st="4" end="4"/>
-                                            </p:txEl>
-                                          </p:spTgt>
-                                        </p:tgtEl>
-                                        <p:attrNameLst>
-                                          <p:attrName>style.visibility</p:attrName>
-                                        </p:attrNameLst>
-                                      </p:cBhvr>
-                                      <p:to>
-                                        <p:strVal val="visible"/>
-                                      </p:to>
-                                    </p:set>
-                                  </p:childTnLst>
-                                </p:cTn>
-                              </p:par>
-                            </p:childTnLst>
-                          </p:cTn>
-                        </p:par>
-                      </p:childTnLst>
-                    </p:cTn>
-                  </p:par>
-                </p:childTnLst>
-              </p:cTn>
-              <p:prevCondLst>
-                <p:cond evt="onPrev" delay="0">
-                  <p:tgtEl>
-                    <p:sldTgt/>
-                  </p:tgtEl>
-                </p:cond>
-              </p:prevCondLst>
-              <p:nextCondLst>
-                <p:cond evt="onNext" delay="0">
-                  <p:tgtEl>
-                    <p:sldTgt/>
-                  </p:tgtEl>
-                </p:cond>
-              </p:nextCondLst>
-            </p:seq>
-          </p:childTnLst>
-        </p:cTn>
-      </p:par>
-    </p:tnLst>
-    <p:bldLst>
-      <p:bldP spid="8" grpId="0" build="p"/>
-    </p:bldLst>
-  </p:timing>
-</p:sld>
-</file>
-
-<file path=ppt/slides/slide11.xml><?xml version="1.0" encoding="utf-8"?>
-<p:sld xmlns:a="http://schemas.openxmlformats.org/drawingml/2006/main" xmlns:r="http://schemas.openxmlformats.org/officeDocument/2006/relationships" xmlns:p="http://schemas.openxmlformats.org/presentationml/2006/main">
-  <p:cSld>
-    <p:spTree>
-      <p:nvGrpSpPr>
-        <p:cNvPr id="1" name=""/>
-        <p:cNvGrpSpPr/>
-        <p:nvPr/>
-      </p:nvGrpSpPr>
-      <p:grpSpPr>
-        <a:xfrm>
-          <a:off x="0" y="0"/>
-          <a:ext cx="0" cy="0"/>
-          <a:chOff x="0" y="0"/>
-          <a:chExt cx="0" cy="0"/>
-        </a:xfrm>
-      </p:grpSpPr>
       <p:pic>
         <p:nvPicPr>
           <p:cNvPr id="4" name="Picture 2050">
@@ -7970,7 +7223,7 @@
 </p:sld>
 </file>
 
-<file path=ppt/slides/slide12.xml><?xml version="1.0" encoding="utf-8"?>
+<file path=ppt/slides/slide11.xml><?xml version="1.0" encoding="utf-8"?>
 <p:sld xmlns:a="http://schemas.openxmlformats.org/drawingml/2006/main" xmlns:r="http://schemas.openxmlformats.org/officeDocument/2006/relationships" xmlns:p="http://schemas.openxmlformats.org/presentationml/2006/main">
   <p:cSld>
     <p:spTree>
@@ -9548,7 +8801,7 @@
 </p:sld>
 </file>
 
-<file path=ppt/slides/slide13.xml><?xml version="1.0" encoding="utf-8"?>
+<file path=ppt/slides/slide12.xml><?xml version="1.0" encoding="utf-8"?>
 <p:sld xmlns:a="http://schemas.openxmlformats.org/drawingml/2006/main" xmlns:r="http://schemas.openxmlformats.org/officeDocument/2006/relationships" xmlns:p="http://schemas.openxmlformats.org/presentationml/2006/main">
   <p:cSld>
     <p:spTree>
@@ -9685,7 +8938,7 @@
 </p:sld>
 </file>
 
-<file path=ppt/slides/slide14.xml><?xml version="1.0" encoding="utf-8"?>
+<file path=ppt/slides/slide13.xml><?xml version="1.0" encoding="utf-8"?>
 <p:sld xmlns:a="http://schemas.openxmlformats.org/drawingml/2006/main" xmlns:r="http://schemas.openxmlformats.org/officeDocument/2006/relationships" xmlns:p="http://schemas.openxmlformats.org/presentationml/2006/main">
   <p:cSld>
     <p:spTree>
@@ -9812,7 +9065,7 @@
 </p:sld>
 </file>
 
-<file path=ppt/slides/slide15.xml><?xml version="1.0" encoding="utf-8"?>
+<file path=ppt/slides/slide14.xml><?xml version="1.0" encoding="utf-8"?>
 <p:sld xmlns:a="http://schemas.openxmlformats.org/drawingml/2006/main" xmlns:r="http://schemas.openxmlformats.org/officeDocument/2006/relationships" xmlns:p="http://schemas.openxmlformats.org/presentationml/2006/main">
   <p:cSld>
     <p:spTree>
@@ -10354,7 +9607,7 @@
 </p:sld>
 </file>
 
-<file path=ppt/slides/slide16.xml><?xml version="1.0" encoding="utf-8"?>
+<file path=ppt/slides/slide15.xml><?xml version="1.0" encoding="utf-8"?>
 <p:sld xmlns:a="http://schemas.openxmlformats.org/drawingml/2006/main" xmlns:r="http://schemas.openxmlformats.org/officeDocument/2006/relationships" xmlns:p="http://schemas.openxmlformats.org/presentationml/2006/main">
   <p:cSld>
     <p:spTree>
@@ -10461,7 +9714,7 @@
 </p:sld>
 </file>
 
-<file path=ppt/slides/slide17.xml><?xml version="1.0" encoding="utf-8"?>
+<file path=ppt/slides/slide16.xml><?xml version="1.0" encoding="utf-8"?>
 <p:sld xmlns:a="http://schemas.openxmlformats.org/drawingml/2006/main" xmlns:r="http://schemas.openxmlformats.org/officeDocument/2006/relationships" xmlns:p="http://schemas.openxmlformats.org/presentationml/2006/main">
   <p:cSld>
     <p:spTree>
@@ -10619,7 +9872,7 @@
 </p:sld>
 </file>
 
-<file path=ppt/slides/slide18.xml><?xml version="1.0" encoding="utf-8"?>
+<file path=ppt/slides/slide17.xml><?xml version="1.0" encoding="utf-8"?>
 <p:sld xmlns:a="http://schemas.openxmlformats.org/drawingml/2006/main" xmlns:r="http://schemas.openxmlformats.org/officeDocument/2006/relationships" xmlns:p="http://schemas.openxmlformats.org/presentationml/2006/main">
   <p:cSld>
     <p:spTree>
@@ -10976,7 +10229,7 @@
 </p:sld>
 </file>
 
-<file path=ppt/slides/slide19.xml><?xml version="1.0" encoding="utf-8"?>
+<file path=ppt/slides/slide18.xml><?xml version="1.0" encoding="utf-8"?>
 <p:sld xmlns:a="http://schemas.openxmlformats.org/drawingml/2006/main" xmlns:r="http://schemas.openxmlformats.org/officeDocument/2006/relationships" xmlns:p="http://schemas.openxmlformats.org/presentationml/2006/main">
   <p:cSld>
     <p:spTree>
@@ -11345,6 +10598,229 @@
 </p:sld>
 </file>
 
+<file path=ppt/slides/slide19.xml><?xml version="1.0" encoding="utf-8"?>
+<p:sld xmlns:a="http://schemas.openxmlformats.org/drawingml/2006/main" xmlns:r="http://schemas.openxmlformats.org/officeDocument/2006/relationships" xmlns:p="http://schemas.openxmlformats.org/presentationml/2006/main">
+  <p:cSld>
+    <p:spTree>
+      <p:nvGrpSpPr>
+        <p:cNvPr id="1" name=""/>
+        <p:cNvGrpSpPr/>
+        <p:nvPr/>
+      </p:nvGrpSpPr>
+      <p:grpSpPr>
+        <a:xfrm>
+          <a:off x="0" y="0"/>
+          <a:ext cx="0" cy="0"/>
+          <a:chOff x="0" y="0"/>
+          <a:chExt cx="0" cy="0"/>
+        </a:xfrm>
+      </p:grpSpPr>
+      <p:sp>
+        <p:nvSpPr>
+          <p:cNvPr id="3" name="Content Placeholder 2">
+            <a:extLst>
+              <a:ext uri="{FF2B5EF4-FFF2-40B4-BE49-F238E27FC236}">
+                <a16:creationId xmlns:a16="http://schemas.microsoft.com/office/drawing/2014/main" id="{E551209A-668D-4DA9-95C8-41A36475AC51}"/>
+              </a:ext>
+            </a:extLst>
+          </p:cNvPr>
+          <p:cNvSpPr>
+            <a:spLocks noGrp="1"/>
+          </p:cNvSpPr>
+          <p:nvPr>
+            <p:ph sz="quarter" idx="10"/>
+          </p:nvPr>
+        </p:nvSpPr>
+        <p:spPr/>
+        <p:txBody>
+          <a:bodyPr/>
+          <a:lstStyle/>
+          <a:p>
+            <a:r>
+              <a:rPr lang="en-US" dirty="0"/>
+              <a:t>Reducing the power consumption</a:t>
+            </a:r>
+          </a:p>
+        </p:txBody>
+      </p:sp>
+      <p:pic>
+        <p:nvPicPr>
+          <p:cNvPr id="5" name="Picture 2">
+            <a:extLst>
+              <a:ext uri="{FF2B5EF4-FFF2-40B4-BE49-F238E27FC236}">
+                <a16:creationId xmlns:a16="http://schemas.microsoft.com/office/drawing/2014/main" id="{3725CFD3-7605-4964-AEEB-35928885D0C0}"/>
+              </a:ext>
+            </a:extLst>
+          </p:cNvPr>
+          <p:cNvPicPr>
+            <a:picLocks noChangeAspect="1" noChangeArrowheads="1"/>
+          </p:cNvPicPr>
+          <p:nvPr/>
+        </p:nvPicPr>
+        <p:blipFill>
+          <a:blip r:embed="rId2">
+            <a:extLst>
+              <a:ext uri="{28A0092B-C50C-407E-A947-70E740481C1C}">
+                <a14:useLocalDpi xmlns:a14="http://schemas.microsoft.com/office/drawing/2010/main" val="0"/>
+              </a:ext>
+            </a:extLst>
+          </a:blip>
+          <a:srcRect/>
+          <a:stretch>
+            <a:fillRect/>
+          </a:stretch>
+        </p:blipFill>
+        <p:spPr bwMode="auto">
+          <a:xfrm>
+            <a:off x="228600" y="1524000"/>
+            <a:ext cx="3058157" cy="3329781"/>
+          </a:xfrm>
+          <a:prstGeom prst="rect">
+            <a:avLst/>
+          </a:prstGeom>
+          <a:noFill/>
+          <a:ln>
+            <a:noFill/>
+          </a:ln>
+          <a:extLst>
+            <a:ext uri="{909E8E84-426E-40DD-AFC4-6F175D3DCCD1}">
+              <a14:hiddenFill xmlns:a14="http://schemas.microsoft.com/office/drawing/2010/main">
+                <a:solidFill>
+                  <a:srgbClr val="FFFFFF"/>
+                </a:solidFill>
+              </a14:hiddenFill>
+            </a:ext>
+            <a:ext uri="{91240B29-F687-4F45-9708-019B960494DF}">
+              <a14:hiddenLine xmlns:a14="http://schemas.microsoft.com/office/drawing/2010/main" w="9525">
+                <a:solidFill>
+                  <a:srgbClr val="000000"/>
+                </a:solidFill>
+                <a:miter lim="800000"/>
+                <a:headEnd/>
+                <a:tailEnd/>
+              </a14:hiddenLine>
+            </a:ext>
+          </a:extLst>
+        </p:spPr>
+      </p:pic>
+      <p:pic>
+        <p:nvPicPr>
+          <p:cNvPr id="7" name="Picture 6">
+            <a:extLst>
+              <a:ext uri="{FF2B5EF4-FFF2-40B4-BE49-F238E27FC236}">
+                <a16:creationId xmlns:a16="http://schemas.microsoft.com/office/drawing/2014/main" id="{C50DA0E0-B12A-4229-825B-C8C8B320AE4E}"/>
+              </a:ext>
+            </a:extLst>
+          </p:cNvPr>
+          <p:cNvPicPr>
+            <a:picLocks noChangeAspect="1"/>
+          </p:cNvPicPr>
+          <p:nvPr/>
+        </p:nvPicPr>
+        <p:blipFill>
+          <a:blip r:embed="rId3"/>
+          <a:stretch>
+            <a:fillRect/>
+          </a:stretch>
+        </p:blipFill>
+        <p:spPr>
+          <a:xfrm>
+            <a:off x="3657600" y="2209800"/>
+            <a:ext cx="4277322" cy="3686689"/>
+          </a:xfrm>
+          <a:prstGeom prst="rect">
+            <a:avLst/>
+          </a:prstGeom>
+        </p:spPr>
+      </p:pic>
+    </p:spTree>
+    <p:extLst>
+      <p:ext uri="{BB962C8B-B14F-4D97-AF65-F5344CB8AC3E}">
+        <p14:creationId xmlns:p14="http://schemas.microsoft.com/office/powerpoint/2010/main" val="3158861090"/>
+      </p:ext>
+    </p:extLst>
+  </p:cSld>
+  <p:clrMapOvr>
+    <a:masterClrMapping/>
+  </p:clrMapOvr>
+  <p:timing>
+    <p:tnLst>
+      <p:par>
+        <p:cTn id="1" dur="indefinite" restart="never" nodeType="tmRoot">
+          <p:childTnLst>
+            <p:seq concurrent="1" nextAc="seek">
+              <p:cTn id="2" dur="indefinite" nodeType="mainSeq">
+                <p:childTnLst>
+                  <p:par>
+                    <p:cTn id="3" fill="hold">
+                      <p:stCondLst>
+                        <p:cond delay="indefinite"/>
+                      </p:stCondLst>
+                      <p:childTnLst>
+                        <p:par>
+                          <p:cTn id="4" fill="hold">
+                            <p:stCondLst>
+                              <p:cond delay="0"/>
+                            </p:stCondLst>
+                            <p:childTnLst>
+                              <p:par>
+                                <p:cTn id="5" presetID="1" presetClass="entr" presetSubtype="0" fill="hold" nodeType="clickEffect">
+                                  <p:stCondLst>
+                                    <p:cond delay="0"/>
+                                  </p:stCondLst>
+                                  <p:childTnLst>
+                                    <p:set>
+                                      <p:cBhvr>
+                                        <p:cTn id="6" dur="1" fill="hold">
+                                          <p:stCondLst>
+                                            <p:cond delay="0"/>
+                                          </p:stCondLst>
+                                        </p:cTn>
+                                        <p:tgtEl>
+                                          <p:spTgt spid="7"/>
+                                        </p:tgtEl>
+                                        <p:attrNameLst>
+                                          <p:attrName>style.visibility</p:attrName>
+                                        </p:attrNameLst>
+                                      </p:cBhvr>
+                                      <p:to>
+                                        <p:strVal val="visible"/>
+                                      </p:to>
+                                    </p:set>
+                                  </p:childTnLst>
+                                </p:cTn>
+                              </p:par>
+                            </p:childTnLst>
+                          </p:cTn>
+                        </p:par>
+                      </p:childTnLst>
+                    </p:cTn>
+                  </p:par>
+                </p:childTnLst>
+              </p:cTn>
+              <p:prevCondLst>
+                <p:cond evt="onPrev" delay="0">
+                  <p:tgtEl>
+                    <p:sldTgt/>
+                  </p:tgtEl>
+                </p:cond>
+              </p:prevCondLst>
+              <p:nextCondLst>
+                <p:cond evt="onNext" delay="0">
+                  <p:tgtEl>
+                    <p:sldTgt/>
+                  </p:tgtEl>
+                </p:cond>
+              </p:nextCondLst>
+            </p:seq>
+          </p:childTnLst>
+        </p:cTn>
+      </p:par>
+    </p:tnLst>
+  </p:timing>
+</p:sld>
+</file>
+
 <file path=ppt/slides/slide2.xml><?xml version="1.0" encoding="utf-8"?>
 <p:sld xmlns:a="http://schemas.openxmlformats.org/drawingml/2006/main" xmlns:r="http://schemas.openxmlformats.org/officeDocument/2006/relationships" xmlns:p="http://schemas.openxmlformats.org/presentationml/2006/main">
   <p:cSld>
@@ -11564,6 +11040,228 @@
 </file>
 
 <file path=ppt/slides/slide20.xml><?xml version="1.0" encoding="utf-8"?>
+<p:sld xmlns:a="http://schemas.openxmlformats.org/drawingml/2006/main" xmlns:r="http://schemas.openxmlformats.org/officeDocument/2006/relationships" xmlns:p="http://schemas.openxmlformats.org/presentationml/2006/main">
+  <p:cSld>
+    <p:spTree>
+      <p:nvGrpSpPr>
+        <p:cNvPr id="1" name=""/>
+        <p:cNvGrpSpPr/>
+        <p:nvPr/>
+      </p:nvGrpSpPr>
+      <p:grpSpPr>
+        <a:xfrm>
+          <a:off x="0" y="0"/>
+          <a:ext cx="0" cy="0"/>
+          <a:chOff x="0" y="0"/>
+          <a:chExt cx="0" cy="0"/>
+        </a:xfrm>
+      </p:grpSpPr>
+      <p:pic>
+        <p:nvPicPr>
+          <p:cNvPr id="6" name="Content Placeholder 5">
+            <a:extLst>
+              <a:ext uri="{FF2B5EF4-FFF2-40B4-BE49-F238E27FC236}">
+                <a16:creationId xmlns:a16="http://schemas.microsoft.com/office/drawing/2014/main" id="{C8D1A1F2-0EB8-4ED0-ACDD-B94D7A7243EA}"/>
+              </a:ext>
+            </a:extLst>
+          </p:cNvPr>
+          <p:cNvPicPr>
+            <a:picLocks noGrp="1" noChangeAspect="1"/>
+          </p:cNvPicPr>
+          <p:nvPr>
+            <p:ph idx="1"/>
+          </p:nvPr>
+        </p:nvPicPr>
+        <p:blipFill>
+          <a:blip r:embed="rId2"/>
+          <a:stretch>
+            <a:fillRect/>
+          </a:stretch>
+        </p:blipFill>
+        <p:spPr>
+          <a:xfrm>
+            <a:off x="3467100" y="2133600"/>
+            <a:ext cx="5048955" cy="4039164"/>
+          </a:xfrm>
+        </p:spPr>
+      </p:pic>
+      <p:sp>
+        <p:nvSpPr>
+          <p:cNvPr id="3" name="Content Placeholder 2">
+            <a:extLst>
+              <a:ext uri="{FF2B5EF4-FFF2-40B4-BE49-F238E27FC236}">
+                <a16:creationId xmlns:a16="http://schemas.microsoft.com/office/drawing/2014/main" id="{1CD3B90B-B140-4FC9-A9B4-C5F1D5576B9A}"/>
+              </a:ext>
+            </a:extLst>
+          </p:cNvPr>
+          <p:cNvSpPr>
+            <a:spLocks noGrp="1"/>
+          </p:cNvSpPr>
+          <p:nvPr>
+            <p:ph sz="quarter" idx="10"/>
+          </p:nvPr>
+        </p:nvSpPr>
+        <p:spPr/>
+        <p:txBody>
+          <a:bodyPr/>
+          <a:lstStyle/>
+          <a:p>
+            <a:r>
+              <a:rPr lang="en-US" dirty="0"/>
+              <a:t>Higher speed + current capacity</a:t>
+            </a:r>
+          </a:p>
+        </p:txBody>
+      </p:sp>
+      <p:pic>
+        <p:nvPicPr>
+          <p:cNvPr id="4" name="Picture 2">
+            <a:extLst>
+              <a:ext uri="{FF2B5EF4-FFF2-40B4-BE49-F238E27FC236}">
+                <a16:creationId xmlns:a16="http://schemas.microsoft.com/office/drawing/2014/main" id="{16915269-E1F2-4CC0-B9EF-B9A8D570978B}"/>
+              </a:ext>
+            </a:extLst>
+          </p:cNvPr>
+          <p:cNvPicPr>
+            <a:picLocks noChangeAspect="1" noChangeArrowheads="1"/>
+          </p:cNvPicPr>
+          <p:nvPr/>
+        </p:nvPicPr>
+        <p:blipFill>
+          <a:blip r:embed="rId3">
+            <a:extLst>
+              <a:ext uri="{28A0092B-C50C-407E-A947-70E740481C1C}">
+                <a14:useLocalDpi xmlns:a14="http://schemas.microsoft.com/office/drawing/2010/main" val="0"/>
+              </a:ext>
+            </a:extLst>
+          </a:blip>
+          <a:srcRect/>
+          <a:stretch>
+            <a:fillRect/>
+          </a:stretch>
+        </p:blipFill>
+        <p:spPr bwMode="auto">
+          <a:xfrm>
+            <a:off x="228600" y="1524000"/>
+            <a:ext cx="3058157" cy="3329781"/>
+          </a:xfrm>
+          <a:prstGeom prst="rect">
+            <a:avLst/>
+          </a:prstGeom>
+          <a:noFill/>
+          <a:ln>
+            <a:noFill/>
+          </a:ln>
+          <a:extLst>
+            <a:ext uri="{909E8E84-426E-40DD-AFC4-6F175D3DCCD1}">
+              <a14:hiddenFill xmlns:a14="http://schemas.microsoft.com/office/drawing/2010/main">
+                <a:solidFill>
+                  <a:srgbClr val="FFFFFF"/>
+                </a:solidFill>
+              </a14:hiddenFill>
+            </a:ext>
+            <a:ext uri="{91240B29-F687-4F45-9708-019B960494DF}">
+              <a14:hiddenLine xmlns:a14="http://schemas.microsoft.com/office/drawing/2010/main" w="9525">
+                <a:solidFill>
+                  <a:srgbClr val="000000"/>
+                </a:solidFill>
+                <a:miter lim="800000"/>
+                <a:headEnd/>
+                <a:tailEnd/>
+              </a14:hiddenLine>
+            </a:ext>
+          </a:extLst>
+        </p:spPr>
+      </p:pic>
+    </p:spTree>
+    <p:extLst>
+      <p:ext uri="{BB962C8B-B14F-4D97-AF65-F5344CB8AC3E}">
+        <p14:creationId xmlns:p14="http://schemas.microsoft.com/office/powerpoint/2010/main" val="2218318666"/>
+      </p:ext>
+    </p:extLst>
+  </p:cSld>
+  <p:clrMapOvr>
+    <a:masterClrMapping/>
+  </p:clrMapOvr>
+  <p:timing>
+    <p:tnLst>
+      <p:par>
+        <p:cTn id="1" dur="indefinite" restart="never" nodeType="tmRoot">
+          <p:childTnLst>
+            <p:seq concurrent="1" nextAc="seek">
+              <p:cTn id="2" dur="indefinite" nodeType="mainSeq">
+                <p:childTnLst>
+                  <p:par>
+                    <p:cTn id="3" fill="hold">
+                      <p:stCondLst>
+                        <p:cond delay="indefinite"/>
+                      </p:stCondLst>
+                      <p:childTnLst>
+                        <p:par>
+                          <p:cTn id="4" fill="hold">
+                            <p:stCondLst>
+                              <p:cond delay="0"/>
+                            </p:stCondLst>
+                            <p:childTnLst>
+                              <p:par>
+                                <p:cTn id="5" presetID="1" presetClass="entr" presetSubtype="0" fill="hold" nodeType="clickEffect">
+                                  <p:stCondLst>
+                                    <p:cond delay="0"/>
+                                  </p:stCondLst>
+                                  <p:childTnLst>
+                                    <p:set>
+                                      <p:cBhvr>
+                                        <p:cTn id="6" dur="1" fill="hold">
+                                          <p:stCondLst>
+                                            <p:cond delay="0"/>
+                                          </p:stCondLst>
+                                        </p:cTn>
+                                        <p:tgtEl>
+                                          <p:spTgt spid="6"/>
+                                        </p:tgtEl>
+                                        <p:attrNameLst>
+                                          <p:attrName>style.visibility</p:attrName>
+                                        </p:attrNameLst>
+                                      </p:cBhvr>
+                                      <p:to>
+                                        <p:strVal val="visible"/>
+                                      </p:to>
+                                    </p:set>
+                                  </p:childTnLst>
+                                </p:cTn>
+                              </p:par>
+                            </p:childTnLst>
+                          </p:cTn>
+                        </p:par>
+                      </p:childTnLst>
+                    </p:cTn>
+                  </p:par>
+                </p:childTnLst>
+              </p:cTn>
+              <p:prevCondLst>
+                <p:cond evt="onPrev" delay="0">
+                  <p:tgtEl>
+                    <p:sldTgt/>
+                  </p:tgtEl>
+                </p:cond>
+              </p:prevCondLst>
+              <p:nextCondLst>
+                <p:cond evt="onNext" delay="0">
+                  <p:tgtEl>
+                    <p:sldTgt/>
+                  </p:tgtEl>
+                </p:cond>
+              </p:nextCondLst>
+            </p:seq>
+          </p:childTnLst>
+        </p:cTn>
+      </p:par>
+    </p:tnLst>
+  </p:timing>
+</p:sld>
+</file>
+
+<file path=ppt/slides/slide21.xml><?xml version="1.0" encoding="utf-8"?>
 <p:sld xmlns:a="http://schemas.openxmlformats.org/drawingml/2006/main" xmlns:r="http://schemas.openxmlformats.org/officeDocument/2006/relationships" xmlns:p="http://schemas.openxmlformats.org/presentationml/2006/main">
   <p:cSld>
     <p:spTree>
@@ -12316,7 +12014,7 @@
 </p:sld>
 </file>
 
-<file path=ppt/slides/slide21.xml><?xml version="1.0" encoding="utf-8"?>
+<file path=ppt/slides/slide22.xml><?xml version="1.0" encoding="utf-8"?>
 <p:sld xmlns:a="http://schemas.openxmlformats.org/drawingml/2006/main" xmlns:r="http://schemas.openxmlformats.org/officeDocument/2006/relationships" xmlns:p="http://schemas.openxmlformats.org/presentationml/2006/main">
   <p:cSld>
     <p:spTree>
@@ -12392,7 +12090,7 @@
         </p:blipFill>
         <p:spPr bwMode="auto">
           <a:xfrm>
-            <a:off x="2593600" y="1447800"/>
+            <a:off x="3962400" y="1447800"/>
             <a:ext cx="3956799" cy="4830762"/>
           </a:xfrm>
           <a:prstGeom prst="rect">
@@ -12410,6 +12108,59 @@
           </a:extLst>
         </p:spPr>
       </p:pic>
+      <p:pic>
+        <p:nvPicPr>
+          <p:cNvPr id="5" name="Content Placeholder 5">
+            <a:extLst>
+              <a:ext uri="{FF2B5EF4-FFF2-40B4-BE49-F238E27FC236}">
+                <a16:creationId xmlns:a16="http://schemas.microsoft.com/office/drawing/2014/main" id="{ADFF183D-0500-482A-B226-9A3F3459FB9A}"/>
+              </a:ext>
+            </a:extLst>
+          </p:cNvPr>
+          <p:cNvPicPr>
+            <a:picLocks noChangeAspect="1"/>
+          </p:cNvPicPr>
+          <p:nvPr/>
+        </p:nvPicPr>
+        <p:blipFill>
+          <a:blip r:embed="rId3"/>
+          <a:stretch>
+            <a:fillRect/>
+          </a:stretch>
+        </p:blipFill>
+        <p:spPr bwMode="auto">
+          <a:xfrm>
+            <a:off x="152400" y="1524000"/>
+            <a:ext cx="3429000" cy="2743200"/>
+          </a:xfrm>
+          <a:prstGeom prst="rect">
+            <a:avLst/>
+          </a:prstGeom>
+          <a:noFill/>
+          <a:ln>
+            <a:noFill/>
+          </a:ln>
+          <a:extLst>
+            <a:ext uri="{909E8E84-426E-40DD-AFC4-6F175D3DCCD1}">
+              <a14:hiddenFill xmlns:a14="http://schemas.microsoft.com/office/drawing/2010/main">
+                <a:solidFill>
+                  <a:srgbClr val="FFFFFF"/>
+                </a:solidFill>
+              </a14:hiddenFill>
+            </a:ext>
+            <a:ext uri="{91240B29-F687-4F45-9708-019B960494DF}">
+              <a14:hiddenLine xmlns:a14="http://schemas.microsoft.com/office/drawing/2010/main" w="9525">
+                <a:solidFill>
+                  <a:srgbClr val="000000"/>
+                </a:solidFill>
+                <a:miter lim="800000"/>
+                <a:headEnd/>
+                <a:tailEnd/>
+              </a14:hiddenLine>
+            </a:ext>
+          </a:extLst>
+        </p:spPr>
+      </p:pic>
     </p:spTree>
     <p:extLst>
       <p:ext uri="{BB962C8B-B14F-4D97-AF65-F5344CB8AC3E}">
@@ -12420,10 +12171,85 @@
   <p:clrMapOvr>
     <a:masterClrMapping/>
   </p:clrMapOvr>
+  <p:timing>
+    <p:tnLst>
+      <p:par>
+        <p:cTn id="1" dur="indefinite" restart="never" nodeType="tmRoot">
+          <p:childTnLst>
+            <p:seq concurrent="1" nextAc="seek">
+              <p:cTn id="2" dur="indefinite" nodeType="mainSeq">
+                <p:childTnLst>
+                  <p:par>
+                    <p:cTn id="3" fill="hold">
+                      <p:stCondLst>
+                        <p:cond delay="indefinite"/>
+                      </p:stCondLst>
+                      <p:childTnLst>
+                        <p:par>
+                          <p:cTn id="4" fill="hold">
+                            <p:stCondLst>
+                              <p:cond delay="0"/>
+                            </p:stCondLst>
+                            <p:childTnLst>
+                              <p:par>
+                                <p:cTn id="5" presetID="1" presetClass="entr" presetSubtype="0" fill="hold" nodeType="clickEffect">
+                                  <p:stCondLst>
+                                    <p:cond delay="0"/>
+                                  </p:stCondLst>
+                                  <p:childTnLst>
+                                    <p:set>
+                                      <p:cBhvr>
+                                        <p:cTn id="6" dur="1" fill="hold">
+                                          <p:stCondLst>
+                                            <p:cond delay="0"/>
+                                          </p:stCondLst>
+                                        </p:cTn>
+                                        <p:tgtEl>
+                                          <p:spTgt spid="5"/>
+                                        </p:tgtEl>
+                                        <p:attrNameLst>
+                                          <p:attrName>style.visibility</p:attrName>
+                                        </p:attrNameLst>
+                                      </p:cBhvr>
+                                      <p:to>
+                                        <p:strVal val="visible"/>
+                                      </p:to>
+                                    </p:set>
+                                  </p:childTnLst>
+                                </p:cTn>
+                              </p:par>
+                            </p:childTnLst>
+                          </p:cTn>
+                        </p:par>
+                      </p:childTnLst>
+                    </p:cTn>
+                  </p:par>
+                </p:childTnLst>
+              </p:cTn>
+              <p:prevCondLst>
+                <p:cond evt="onPrev" delay="0">
+                  <p:tgtEl>
+                    <p:sldTgt/>
+                  </p:tgtEl>
+                </p:cond>
+              </p:prevCondLst>
+              <p:nextCondLst>
+                <p:cond evt="onNext" delay="0">
+                  <p:tgtEl>
+                    <p:sldTgt/>
+                  </p:tgtEl>
+                </p:cond>
+              </p:nextCondLst>
+            </p:seq>
+          </p:childTnLst>
+        </p:cTn>
+      </p:par>
+    </p:tnLst>
+  </p:timing>
 </p:sld>
 </file>
 
-<file path=ppt/slides/slide22.xml><?xml version="1.0" encoding="utf-8"?>
+<file path=ppt/slides/slide23.xml><?xml version="1.0" encoding="utf-8"?>
 <p:sld xmlns:a="http://schemas.openxmlformats.org/drawingml/2006/main" xmlns:r="http://schemas.openxmlformats.org/officeDocument/2006/relationships" xmlns:p="http://schemas.openxmlformats.org/presentationml/2006/main">
   <p:cSld>
     <p:spTree>
@@ -12770,6 +12596,171 @@
       <p:bldP spid="2" grpId="0" build="p"/>
     </p:bldLst>
   </p:timing>
+</p:sld>
+</file>
+
+<file path=ppt/slides/slide24.xml><?xml version="1.0" encoding="utf-8"?>
+<p:sld xmlns:a="http://schemas.openxmlformats.org/drawingml/2006/main" xmlns:r="http://schemas.openxmlformats.org/officeDocument/2006/relationships" xmlns:p="http://schemas.openxmlformats.org/presentationml/2006/main">
+  <p:cSld>
+    <p:spTree>
+      <p:nvGrpSpPr>
+        <p:cNvPr id="1" name=""/>
+        <p:cNvGrpSpPr/>
+        <p:nvPr/>
+      </p:nvGrpSpPr>
+      <p:grpSpPr>
+        <a:xfrm>
+          <a:off x="0" y="0"/>
+          <a:ext cx="0" cy="0"/>
+          <a:chOff x="0" y="0"/>
+          <a:chExt cx="0" cy="0"/>
+        </a:xfrm>
+      </p:grpSpPr>
+      <p:pic>
+        <p:nvPicPr>
+          <p:cNvPr id="5" name="Content Placeholder 4" descr="A qr code on a white background&#10;&#10;AI-generated content may be incorrect.">
+            <a:extLst>
+              <a:ext uri="{FF2B5EF4-FFF2-40B4-BE49-F238E27FC236}">
+                <a16:creationId xmlns:a16="http://schemas.microsoft.com/office/drawing/2014/main" id="{60A1A136-0209-90F1-B1E4-6D0F79EE2659}"/>
+              </a:ext>
+            </a:extLst>
+          </p:cNvPr>
+          <p:cNvPicPr>
+            <a:picLocks noGrp="1" noChangeAspect="1"/>
+          </p:cNvPicPr>
+          <p:nvPr>
+            <p:ph idx="1"/>
+          </p:nvPr>
+        </p:nvPicPr>
+        <p:blipFill>
+          <a:blip r:embed="rId2">
+            <a:extLst>
+              <a:ext uri="{28A0092B-C50C-407E-A947-70E740481C1C}">
+                <a14:useLocalDpi xmlns:a14="http://schemas.microsoft.com/office/drawing/2010/main" val="0"/>
+              </a:ext>
+            </a:extLst>
+          </a:blip>
+          <a:stretch>
+            <a:fillRect/>
+          </a:stretch>
+        </p:blipFill>
+        <p:spPr>
+          <a:xfrm>
+            <a:off x="609600" y="1447800"/>
+            <a:ext cx="5105400" cy="5105400"/>
+          </a:xfrm>
+        </p:spPr>
+      </p:pic>
+      <p:sp>
+        <p:nvSpPr>
+          <p:cNvPr id="3" name="Content Placeholder 2">
+            <a:extLst>
+              <a:ext uri="{FF2B5EF4-FFF2-40B4-BE49-F238E27FC236}">
+                <a16:creationId xmlns:a16="http://schemas.microsoft.com/office/drawing/2014/main" id="{794439D3-5825-E989-96F9-EF0D6E48C418}"/>
+              </a:ext>
+            </a:extLst>
+          </p:cNvPr>
+          <p:cNvSpPr>
+            <a:spLocks noGrp="1"/>
+          </p:cNvSpPr>
+          <p:nvPr>
+            <p:ph sz="quarter" idx="10"/>
+          </p:nvPr>
+        </p:nvSpPr>
+        <p:spPr/>
+        <p:txBody>
+          <a:bodyPr/>
+          <a:lstStyle/>
+          <a:p>
+            <a:r>
+              <a:rPr lang="en-US" dirty="0"/>
+              <a:t>Attendance!</a:t>
+            </a:r>
+            <a:endParaRPr lang="en-IN" dirty="0"/>
+          </a:p>
+        </p:txBody>
+      </p:sp>
+      <p:sp>
+        <p:nvSpPr>
+          <p:cNvPr id="7" name="TextBox 6">
+            <a:extLst>
+              <a:ext uri="{FF2B5EF4-FFF2-40B4-BE49-F238E27FC236}">
+                <a16:creationId xmlns:a16="http://schemas.microsoft.com/office/drawing/2014/main" id="{5DC6D221-3557-4B26-23D4-4BAF1442A190}"/>
+              </a:ext>
+            </a:extLst>
+          </p:cNvPr>
+          <p:cNvSpPr txBox="1"/>
+          <p:nvPr/>
+        </p:nvSpPr>
+        <p:spPr>
+          <a:xfrm>
+            <a:off x="5486400" y="1905000"/>
+            <a:ext cx="3352800" cy="3416320"/>
+          </a:xfrm>
+          <a:prstGeom prst="rect">
+            <a:avLst/>
+          </a:prstGeom>
+          <a:noFill/>
+        </p:spPr>
+        <p:txBody>
+          <a:bodyPr wrap="square">
+            <a:spAutoFit/>
+          </a:bodyPr>
+          <a:lstStyle/>
+          <a:p>
+            <a:r>
+              <a:rPr lang="en-IN" dirty="0"/>
+              <a:t>Will be opened only during the attendance window.</a:t>
+            </a:r>
+          </a:p>
+          <a:p>
+            <a:endParaRPr lang="en-IN" dirty="0"/>
+          </a:p>
+          <a:p>
+            <a:r>
+              <a:rPr lang="en-IN" dirty="0"/>
+              <a:t>Enable location on your device.</a:t>
+            </a:r>
+          </a:p>
+          <a:p>
+            <a:endParaRPr lang="en-IN" dirty="0"/>
+          </a:p>
+          <a:p>
+            <a:r>
+              <a:rPr lang="en-IN" dirty="0"/>
+              <a:t>Grant any location permissions requested by the website.</a:t>
+            </a:r>
+          </a:p>
+          <a:p>
+            <a:endParaRPr lang="en-IN" dirty="0"/>
+          </a:p>
+          <a:p>
+            <a:r>
+              <a:rPr lang="en-IN" dirty="0"/>
+              <a:t>Refresh the page.</a:t>
+            </a:r>
+          </a:p>
+          <a:p>
+            <a:endParaRPr lang="en-IN" dirty="0"/>
+          </a:p>
+          <a:p>
+            <a:r>
+              <a:rPr lang="en-IN" dirty="0"/>
+              <a:t>Try submitting again.</a:t>
+            </a:r>
+          </a:p>
+        </p:txBody>
+      </p:sp>
+    </p:spTree>
+    <p:extLst>
+      <p:ext uri="{BB962C8B-B14F-4D97-AF65-F5344CB8AC3E}">
+        <p14:creationId xmlns:p14="http://schemas.microsoft.com/office/powerpoint/2010/main" val="242540135"/>
+      </p:ext>
+    </p:extLst>
+  </p:cSld>
+  <p:clrMapOvr>
+    <a:masterClrMapping/>
+  </p:clrMapOvr>
 </p:sld>
 </file>
 
@@ -15523,47 +15514,12 @@
           <a:chExt cx="0" cy="0"/>
         </a:xfrm>
       </p:grpSpPr>
-      <p:pic>
-        <p:nvPicPr>
-          <p:cNvPr id="5" name="Content Placeholder 4" descr="A qr code on a white background&#10;&#10;AI-generated content may be incorrect.">
-            <a:extLst>
-              <a:ext uri="{FF2B5EF4-FFF2-40B4-BE49-F238E27FC236}">
-                <a16:creationId xmlns:a16="http://schemas.microsoft.com/office/drawing/2014/main" id="{60A1A136-0209-90F1-B1E4-6D0F79EE2659}"/>
-              </a:ext>
-            </a:extLst>
-          </p:cNvPr>
-          <p:cNvPicPr>
-            <a:picLocks noGrp="1" noChangeAspect="1"/>
-          </p:cNvPicPr>
-          <p:nvPr>
-            <p:ph idx="1"/>
-          </p:nvPr>
-        </p:nvPicPr>
-        <p:blipFill>
-          <a:blip r:embed="rId2">
-            <a:extLst>
-              <a:ext uri="{28A0092B-C50C-407E-A947-70E740481C1C}">
-                <a14:useLocalDpi xmlns:a14="http://schemas.microsoft.com/office/drawing/2010/main" val="0"/>
-              </a:ext>
-            </a:extLst>
-          </a:blip>
-          <a:stretch>
-            <a:fillRect/>
-          </a:stretch>
-        </p:blipFill>
-        <p:spPr>
-          <a:xfrm>
-            <a:off x="609600" y="1447800"/>
-            <a:ext cx="5105400" cy="5105400"/>
-          </a:xfrm>
-        </p:spPr>
-      </p:pic>
       <p:sp>
         <p:nvSpPr>
           <p:cNvPr id="3" name="Content Placeholder 2">
             <a:extLst>
               <a:ext uri="{FF2B5EF4-FFF2-40B4-BE49-F238E27FC236}">
-                <a16:creationId xmlns:a16="http://schemas.microsoft.com/office/drawing/2014/main" id="{794439D3-5825-E989-96F9-EF0D6E48C418}"/>
+                <a16:creationId xmlns:a16="http://schemas.microsoft.com/office/drawing/2014/main" id="{04320BA9-B4FC-4E98-B0D2-9C193F905A0E}"/>
               </a:ext>
             </a:extLst>
           </p:cNvPr>
@@ -15581,18 +15537,164 @@
           <a:p>
             <a:r>
               <a:rPr lang="en-US" dirty="0"/>
-              <a:t>Attendance!</a:t>
-            </a:r>
-            <a:endParaRPr lang="en-IN" dirty="0"/>
+              <a:t>The Bipolar Junction Transistor:</a:t>
+            </a:r>
+          </a:p>
+          <a:p>
+            <a:r>
+              <a:rPr lang="en-US" dirty="0"/>
+              <a:t>current-controlled current source</a:t>
+            </a:r>
           </a:p>
         </p:txBody>
       </p:sp>
+      <p:pic>
+        <p:nvPicPr>
+          <p:cNvPr id="9218" name="Picture 2" descr="BJT: Definition, Symbol, Working, Characteristics, Types ...">
+            <a:extLst>
+              <a:ext uri="{FF2B5EF4-FFF2-40B4-BE49-F238E27FC236}">
+                <a16:creationId xmlns:a16="http://schemas.microsoft.com/office/drawing/2014/main" id="{B24FE55F-8D8C-4C8B-8FF5-3080EEAB6C7B}"/>
+              </a:ext>
+            </a:extLst>
+          </p:cNvPr>
+          <p:cNvPicPr>
+            <a:picLocks noGrp="1" noChangeAspect="1" noChangeArrowheads="1"/>
+          </p:cNvPicPr>
+          <p:nvPr>
+            <p:ph idx="1"/>
+          </p:nvPr>
+        </p:nvPicPr>
+        <p:blipFill>
+          <a:blip r:embed="rId2">
+            <a:extLst>
+              <a:ext uri="{28A0092B-C50C-407E-A947-70E740481C1C}">
+                <a14:useLocalDpi xmlns:a14="http://schemas.microsoft.com/office/drawing/2010/main" val="0"/>
+              </a:ext>
+            </a:extLst>
+          </a:blip>
+          <a:srcRect/>
+          <a:stretch>
+            <a:fillRect/>
+          </a:stretch>
+        </p:blipFill>
+        <p:spPr bwMode="auto">
+          <a:xfrm>
+            <a:off x="762000" y="4267200"/>
+            <a:ext cx="4119275" cy="2272831"/>
+          </a:xfrm>
+          <a:prstGeom prst="rect">
+            <a:avLst/>
+          </a:prstGeom>
+          <a:noFill/>
+          <a:extLst>
+            <a:ext uri="{909E8E84-426E-40DD-AFC4-6F175D3DCCD1}">
+              <a14:hiddenFill xmlns:a14="http://schemas.microsoft.com/office/drawing/2010/main">
+                <a:solidFill>
+                  <a:srgbClr val="FFFFFF"/>
+                </a:solidFill>
+              </a14:hiddenFill>
+            </a:ext>
+          </a:extLst>
+        </p:spPr>
+      </p:pic>
+      <p:pic>
+        <p:nvPicPr>
+          <p:cNvPr id="9220" name="Picture 4" descr="Bipolar Junction Transistor">
+            <a:extLst>
+              <a:ext uri="{FF2B5EF4-FFF2-40B4-BE49-F238E27FC236}">
+                <a16:creationId xmlns:a16="http://schemas.microsoft.com/office/drawing/2014/main" id="{2620CDAB-EB45-4346-923C-1690846701AE}"/>
+              </a:ext>
+            </a:extLst>
+          </p:cNvPr>
+          <p:cNvPicPr>
+            <a:picLocks noChangeAspect="1" noChangeArrowheads="1"/>
+          </p:cNvPicPr>
+          <p:nvPr/>
+        </p:nvPicPr>
+        <p:blipFill>
+          <a:blip r:embed="rId3">
+            <a:extLst>
+              <a:ext uri="{28A0092B-C50C-407E-A947-70E740481C1C}">
+                <a14:useLocalDpi xmlns:a14="http://schemas.microsoft.com/office/drawing/2010/main" val="0"/>
+              </a:ext>
+            </a:extLst>
+          </a:blip>
+          <a:srcRect/>
+          <a:stretch>
+            <a:fillRect/>
+          </a:stretch>
+        </p:blipFill>
+        <p:spPr bwMode="auto">
+          <a:xfrm>
+            <a:off x="5939029" y="984157"/>
+            <a:ext cx="2900171" cy="2471737"/>
+          </a:xfrm>
+          <a:prstGeom prst="rect">
+            <a:avLst/>
+          </a:prstGeom>
+          <a:noFill/>
+          <a:extLst>
+            <a:ext uri="{909E8E84-426E-40DD-AFC4-6F175D3DCCD1}">
+              <a14:hiddenFill xmlns:a14="http://schemas.microsoft.com/office/drawing/2010/main">
+                <a:solidFill>
+                  <a:srgbClr val="FFFFFF"/>
+                </a:solidFill>
+              </a14:hiddenFill>
+            </a:ext>
+          </a:extLst>
+        </p:spPr>
+      </p:pic>
+      <p:pic>
+        <p:nvPicPr>
+          <p:cNvPr id="9222" name="Picture 6">
+            <a:extLst>
+              <a:ext uri="{FF2B5EF4-FFF2-40B4-BE49-F238E27FC236}">
+                <a16:creationId xmlns:a16="http://schemas.microsoft.com/office/drawing/2014/main" id="{E47F3A45-BA87-4280-A885-17536326E948}"/>
+              </a:ext>
+            </a:extLst>
+          </p:cNvPr>
+          <p:cNvPicPr>
+            <a:picLocks noChangeAspect="1" noChangeArrowheads="1"/>
+          </p:cNvPicPr>
+          <p:nvPr/>
+        </p:nvPicPr>
+        <p:blipFill>
+          <a:blip r:embed="rId4">
+            <a:extLst>
+              <a:ext uri="{28A0092B-C50C-407E-A947-70E740481C1C}">
+                <a14:useLocalDpi xmlns:a14="http://schemas.microsoft.com/office/drawing/2010/main" val="0"/>
+              </a:ext>
+            </a:extLst>
+          </a:blip>
+          <a:srcRect/>
+          <a:stretch/>
+        </p:blipFill>
+        <p:spPr bwMode="auto">
+          <a:xfrm>
+            <a:off x="5806165" y="3539425"/>
+            <a:ext cx="3337835" cy="2670268"/>
+          </a:xfrm>
+          <a:prstGeom prst="rect">
+            <a:avLst/>
+          </a:prstGeom>
+          <a:noFill/>
+          <a:extLst>
+            <a:ext uri="{909E8E84-426E-40DD-AFC4-6F175D3DCCD1}">
+              <a14:hiddenFill xmlns:a14="http://schemas.microsoft.com/office/drawing/2010/main">
+                <a:solidFill>
+                  <a:srgbClr val="FFFFFF"/>
+                </a:solidFill>
+              </a14:hiddenFill>
+            </a:ext>
+          </a:extLst>
+        </p:spPr>
+      </p:pic>
       <p:sp>
         <p:nvSpPr>
-          <p:cNvPr id="7" name="TextBox 6">
+          <p:cNvPr id="8" name="TextBox 7">
             <a:extLst>
               <a:ext uri="{FF2B5EF4-FFF2-40B4-BE49-F238E27FC236}">
-                <a16:creationId xmlns:a16="http://schemas.microsoft.com/office/drawing/2014/main" id="{5DC6D221-3557-4B26-23D4-4BAF1442A190}"/>
+                <a16:creationId xmlns:a16="http://schemas.microsoft.com/office/drawing/2014/main" id="{46832699-0E38-4FE5-B5E7-477970BA5E61}"/>
               </a:ext>
             </a:extLst>
           </p:cNvPr>
@@ -15601,8 +15703,8 @@
         </p:nvSpPr>
         <p:spPr>
           <a:xfrm>
-            <a:off x="5486400" y="1905000"/>
-            <a:ext cx="3352800" cy="3416320"/>
+            <a:off x="156971" y="1404878"/>
+            <a:ext cx="5634229" cy="2862322"/>
           </a:xfrm>
           <a:prstGeom prst="rect">
             <a:avLst/>
@@ -15615,45 +15717,150 @@
           </a:bodyPr>
           <a:lstStyle/>
           <a:p>
-            <a:r>
-              <a:rPr lang="en-IN" dirty="0"/>
-              <a:t>Will be opened only during the attendance window.</a:t>
-            </a:r>
-          </a:p>
-          <a:p>
-            <a:endParaRPr lang="en-IN" dirty="0"/>
-          </a:p>
-          <a:p>
-            <a:r>
-              <a:rPr lang="en-IN" dirty="0"/>
-              <a:t>Enable location on your device.</a:t>
-            </a:r>
-          </a:p>
-          <a:p>
-            <a:endParaRPr lang="en-IN" dirty="0"/>
-          </a:p>
-          <a:p>
-            <a:r>
-              <a:rPr lang="en-IN" dirty="0"/>
-              <a:t>Grant any location permissions requested by the website.</a:t>
-            </a:r>
-          </a:p>
-          <a:p>
-            <a:endParaRPr lang="en-IN" dirty="0"/>
-          </a:p>
-          <a:p>
-            <a:r>
-              <a:rPr lang="en-IN" dirty="0"/>
-              <a:t>Refresh the page.</a:t>
-            </a:r>
-          </a:p>
-          <a:p>
-            <a:endParaRPr lang="en-IN" dirty="0"/>
-          </a:p>
-          <a:p>
-            <a:r>
-              <a:rPr lang="en-IN" dirty="0"/>
-              <a:t>Try submitting again.</a:t>
+            <a:pPr marL="285750" indent="-285750">
+              <a:spcAft>
+                <a:spcPts val="600"/>
+              </a:spcAft>
+              <a:buFont typeface="Arial" panose="020B0604020202020204" pitchFamily="34" charset="0"/>
+              <a:buChar char="•"/>
+            </a:pPr>
+            <a:r>
+              <a:rPr lang="en-US" sz="1600" b="1" dirty="0">
+                <a:latin typeface="+mn-lt"/>
+              </a:rPr>
+              <a:t>Base–Emitter junction (BE)</a:t>
+            </a:r>
+            <a:r>
+              <a:rPr lang="en-US" sz="1600" dirty="0">
+                <a:latin typeface="+mn-lt"/>
+              </a:rPr>
+              <a:t> is </a:t>
+            </a:r>
+            <a:r>
+              <a:rPr lang="en-US" sz="1600" b="1" dirty="0">
+                <a:latin typeface="+mn-lt"/>
+              </a:rPr>
+              <a:t>forward-biased</a:t>
+            </a:r>
+            <a:r>
+              <a:rPr lang="en-US" sz="1600" dirty="0">
+                <a:latin typeface="+mn-lt"/>
+              </a:rPr>
+              <a:t> so that the emitter injects carriers (electrons)</a:t>
+            </a:r>
+          </a:p>
+          <a:p>
+            <a:pPr marL="285750" indent="-285750">
+              <a:spcAft>
+                <a:spcPts val="600"/>
+              </a:spcAft>
+              <a:buFont typeface="Arial" panose="020B0604020202020204" pitchFamily="34" charset="0"/>
+              <a:buChar char="•"/>
+            </a:pPr>
+            <a:r>
+              <a:rPr lang="en-US" sz="1600" dirty="0">
+                <a:latin typeface="+mn-lt"/>
+              </a:rPr>
+              <a:t>Only a small fraction of electrons recombine with holes in the base → this small recombination current forms the </a:t>
+            </a:r>
+            <a:r>
+              <a:rPr lang="en-US" sz="1600" b="1" dirty="0">
+                <a:latin typeface="+mn-lt"/>
+              </a:rPr>
+              <a:t>base current IBI_BIB​</a:t>
+            </a:r>
+          </a:p>
+          <a:p>
+            <a:pPr marL="285750" indent="-285750">
+              <a:spcAft>
+                <a:spcPts val="600"/>
+              </a:spcAft>
+              <a:buFont typeface="Arial" panose="020B0604020202020204" pitchFamily="34" charset="0"/>
+              <a:buChar char="•"/>
+            </a:pPr>
+            <a:r>
+              <a:rPr lang="en-US" sz="1600" dirty="0">
+                <a:latin typeface="+mn-lt"/>
+              </a:rPr>
+              <a:t>Majority of electrons that enter the base </a:t>
+            </a:r>
+            <a:r>
+              <a:rPr lang="en-US" sz="1600" b="1" dirty="0">
+                <a:latin typeface="+mn-lt"/>
+              </a:rPr>
+              <a:t>diffuse across it</a:t>
+            </a:r>
+            <a:r>
+              <a:rPr lang="en-US" sz="1600" dirty="0">
+                <a:latin typeface="+mn-lt"/>
+              </a:rPr>
+              <a:t> and reach the </a:t>
+            </a:r>
+            <a:r>
+              <a:rPr lang="en-US" sz="1600" b="1" dirty="0">
+                <a:latin typeface="+mn-lt"/>
+              </a:rPr>
+              <a:t>collector-base junction</a:t>
+            </a:r>
+            <a:r>
+              <a:rPr lang="en-US" sz="1600" dirty="0">
+                <a:latin typeface="+mn-lt"/>
+              </a:rPr>
+              <a:t>,</a:t>
+            </a:r>
+          </a:p>
+          <a:p>
+            <a:pPr marL="285750" indent="-285750">
+              <a:spcAft>
+                <a:spcPts val="600"/>
+              </a:spcAft>
+              <a:buFont typeface="Arial" panose="020B0604020202020204" pitchFamily="34" charset="0"/>
+              <a:buChar char="•"/>
+            </a:pPr>
+            <a:r>
+              <a:rPr lang="en-US" sz="1600" b="1" dirty="0">
+                <a:latin typeface="+mn-lt"/>
+              </a:rPr>
+              <a:t>Base–Collector junction (BC)</a:t>
+            </a:r>
+            <a:r>
+              <a:rPr lang="en-US" sz="1600" dirty="0">
+                <a:latin typeface="+mn-lt"/>
+              </a:rPr>
+              <a:t> is </a:t>
+            </a:r>
+            <a:r>
+              <a:rPr lang="en-US" sz="1600" b="1" dirty="0">
+                <a:latin typeface="+mn-lt"/>
+              </a:rPr>
+              <a:t>reverse-biased</a:t>
+            </a:r>
+          </a:p>
+          <a:p>
+            <a:pPr marL="285750" indent="-285750">
+              <a:spcAft>
+                <a:spcPts val="600"/>
+              </a:spcAft>
+              <a:buFont typeface="Arial" panose="020B0604020202020204" pitchFamily="34" charset="0"/>
+              <a:buChar char="•"/>
+            </a:pPr>
+            <a:r>
+              <a:rPr lang="en-US" sz="1600" dirty="0">
+                <a:latin typeface="+mn-lt"/>
+              </a:rPr>
+              <a:t>The electric field in the reverse-biased junction </a:t>
+            </a:r>
+            <a:r>
+              <a:rPr lang="en-US" sz="1600" b="1" dirty="0">
+                <a:latin typeface="+mn-lt"/>
+              </a:rPr>
+              <a:t>sweeps these electrons into the collector</a:t>
+            </a:r>
+            <a:r>
+              <a:rPr lang="en-US" sz="1600" dirty="0">
+                <a:latin typeface="+mn-lt"/>
+              </a:rPr>
+              <a:t>.</a:t>
             </a:r>
           </a:p>
         </p:txBody>
@@ -15661,13 +15868,381 @@
     </p:spTree>
     <p:extLst>
       <p:ext uri="{BB962C8B-B14F-4D97-AF65-F5344CB8AC3E}">
-        <p14:creationId xmlns:p14="http://schemas.microsoft.com/office/powerpoint/2010/main" val="3462180687"/>
+        <p14:creationId xmlns:p14="http://schemas.microsoft.com/office/powerpoint/2010/main" val="168573872"/>
       </p:ext>
     </p:extLst>
   </p:cSld>
   <p:clrMapOvr>
     <a:masterClrMapping/>
   </p:clrMapOvr>
+  <p:timing>
+    <p:tnLst>
+      <p:par>
+        <p:cTn id="1" dur="indefinite" restart="never" nodeType="tmRoot">
+          <p:childTnLst>
+            <p:seq concurrent="1" nextAc="seek">
+              <p:cTn id="2" dur="indefinite" nodeType="mainSeq">
+                <p:childTnLst>
+                  <p:par>
+                    <p:cTn id="3" fill="hold">
+                      <p:stCondLst>
+                        <p:cond delay="indefinite"/>
+                      </p:stCondLst>
+                      <p:childTnLst>
+                        <p:par>
+                          <p:cTn id="4" fill="hold">
+                            <p:stCondLst>
+                              <p:cond delay="0"/>
+                            </p:stCondLst>
+                            <p:childTnLst>
+                              <p:par>
+                                <p:cTn id="5" presetID="1" presetClass="entr" presetSubtype="0" fill="hold" nodeType="clickEffect">
+                                  <p:stCondLst>
+                                    <p:cond delay="0"/>
+                                  </p:stCondLst>
+                                  <p:childTnLst>
+                                    <p:set>
+                                      <p:cBhvr>
+                                        <p:cTn id="6" dur="1" fill="hold">
+                                          <p:stCondLst>
+                                            <p:cond delay="0"/>
+                                          </p:stCondLst>
+                                        </p:cTn>
+                                        <p:tgtEl>
+                                          <p:spTgt spid="9222"/>
+                                        </p:tgtEl>
+                                        <p:attrNameLst>
+                                          <p:attrName>style.visibility</p:attrName>
+                                        </p:attrNameLst>
+                                      </p:cBhvr>
+                                      <p:to>
+                                        <p:strVal val="visible"/>
+                                      </p:to>
+                                    </p:set>
+                                  </p:childTnLst>
+                                </p:cTn>
+                              </p:par>
+                            </p:childTnLst>
+                          </p:cTn>
+                        </p:par>
+                      </p:childTnLst>
+                    </p:cTn>
+                  </p:par>
+                  <p:par>
+                    <p:cTn id="7" fill="hold">
+                      <p:stCondLst>
+                        <p:cond delay="indefinite"/>
+                      </p:stCondLst>
+                      <p:childTnLst>
+                        <p:par>
+                          <p:cTn id="8" fill="hold">
+                            <p:stCondLst>
+                              <p:cond delay="0"/>
+                            </p:stCondLst>
+                            <p:childTnLst>
+                              <p:par>
+                                <p:cTn id="9" presetID="1" presetClass="entr" presetSubtype="0" fill="hold" nodeType="clickEffect">
+                                  <p:stCondLst>
+                                    <p:cond delay="0"/>
+                                  </p:stCondLst>
+                                  <p:childTnLst>
+                                    <p:set>
+                                      <p:cBhvr>
+                                        <p:cTn id="10" dur="1" fill="hold">
+                                          <p:stCondLst>
+                                            <p:cond delay="0"/>
+                                          </p:stCondLst>
+                                        </p:cTn>
+                                        <p:tgtEl>
+                                          <p:spTgt spid="9218"/>
+                                        </p:tgtEl>
+                                        <p:attrNameLst>
+                                          <p:attrName>style.visibility</p:attrName>
+                                        </p:attrNameLst>
+                                      </p:cBhvr>
+                                      <p:to>
+                                        <p:strVal val="visible"/>
+                                      </p:to>
+                                    </p:set>
+                                  </p:childTnLst>
+                                </p:cTn>
+                              </p:par>
+                            </p:childTnLst>
+                          </p:cTn>
+                        </p:par>
+                      </p:childTnLst>
+                    </p:cTn>
+                  </p:par>
+                  <p:par>
+                    <p:cTn id="11" fill="hold">
+                      <p:stCondLst>
+                        <p:cond delay="indefinite"/>
+                      </p:stCondLst>
+                      <p:childTnLst>
+                        <p:par>
+                          <p:cTn id="12" fill="hold">
+                            <p:stCondLst>
+                              <p:cond delay="0"/>
+                            </p:stCondLst>
+                            <p:childTnLst>
+                              <p:par>
+                                <p:cTn id="13" presetID="1" presetClass="entr" presetSubtype="0" fill="hold" grpId="0" nodeType="clickEffect">
+                                  <p:stCondLst>
+                                    <p:cond delay="0"/>
+                                  </p:stCondLst>
+                                  <p:childTnLst>
+                                    <p:set>
+                                      <p:cBhvr>
+                                        <p:cTn id="14" dur="1" fill="hold">
+                                          <p:stCondLst>
+                                            <p:cond delay="0"/>
+                                          </p:stCondLst>
+                                        </p:cTn>
+                                        <p:tgtEl>
+                                          <p:spTgt spid="8">
+                                            <p:txEl>
+                                              <p:pRg st="0" end="0"/>
+                                            </p:txEl>
+                                          </p:spTgt>
+                                        </p:tgtEl>
+                                        <p:attrNameLst>
+                                          <p:attrName>style.visibility</p:attrName>
+                                        </p:attrNameLst>
+                                      </p:cBhvr>
+                                      <p:to>
+                                        <p:strVal val="visible"/>
+                                      </p:to>
+                                    </p:set>
+                                  </p:childTnLst>
+                                </p:cTn>
+                              </p:par>
+                            </p:childTnLst>
+                          </p:cTn>
+                        </p:par>
+                      </p:childTnLst>
+                    </p:cTn>
+                  </p:par>
+                  <p:par>
+                    <p:cTn id="15" fill="hold">
+                      <p:stCondLst>
+                        <p:cond delay="indefinite"/>
+                      </p:stCondLst>
+                      <p:childTnLst>
+                        <p:par>
+                          <p:cTn id="16" fill="hold">
+                            <p:stCondLst>
+                              <p:cond delay="0"/>
+                            </p:stCondLst>
+                            <p:childTnLst>
+                              <p:par>
+                                <p:cTn id="17" presetID="1" presetClass="entr" presetSubtype="0" fill="hold" grpId="0" nodeType="clickEffect">
+                                  <p:stCondLst>
+                                    <p:cond delay="0"/>
+                                  </p:stCondLst>
+                                  <p:childTnLst>
+                                    <p:set>
+                                      <p:cBhvr>
+                                        <p:cTn id="18" dur="1" fill="hold">
+                                          <p:stCondLst>
+                                            <p:cond delay="0"/>
+                                          </p:stCondLst>
+                                        </p:cTn>
+                                        <p:tgtEl>
+                                          <p:spTgt spid="8">
+                                            <p:txEl>
+                                              <p:pRg st="1" end="1"/>
+                                            </p:txEl>
+                                          </p:spTgt>
+                                        </p:tgtEl>
+                                        <p:attrNameLst>
+                                          <p:attrName>style.visibility</p:attrName>
+                                        </p:attrNameLst>
+                                      </p:cBhvr>
+                                      <p:to>
+                                        <p:strVal val="visible"/>
+                                      </p:to>
+                                    </p:set>
+                                  </p:childTnLst>
+                                </p:cTn>
+                              </p:par>
+                            </p:childTnLst>
+                          </p:cTn>
+                        </p:par>
+                      </p:childTnLst>
+                    </p:cTn>
+                  </p:par>
+                  <p:par>
+                    <p:cTn id="19" fill="hold">
+                      <p:stCondLst>
+                        <p:cond delay="indefinite"/>
+                      </p:stCondLst>
+                      <p:childTnLst>
+                        <p:par>
+                          <p:cTn id="20" fill="hold">
+                            <p:stCondLst>
+                              <p:cond delay="0"/>
+                            </p:stCondLst>
+                            <p:childTnLst>
+                              <p:par>
+                                <p:cTn id="21" presetID="1" presetClass="entr" presetSubtype="0" fill="hold" grpId="0" nodeType="clickEffect">
+                                  <p:stCondLst>
+                                    <p:cond delay="0"/>
+                                  </p:stCondLst>
+                                  <p:childTnLst>
+                                    <p:set>
+                                      <p:cBhvr>
+                                        <p:cTn id="22" dur="1" fill="hold">
+                                          <p:stCondLst>
+                                            <p:cond delay="0"/>
+                                          </p:stCondLst>
+                                        </p:cTn>
+                                        <p:tgtEl>
+                                          <p:spTgt spid="8">
+                                            <p:txEl>
+                                              <p:pRg st="2" end="2"/>
+                                            </p:txEl>
+                                          </p:spTgt>
+                                        </p:tgtEl>
+                                        <p:attrNameLst>
+                                          <p:attrName>style.visibility</p:attrName>
+                                        </p:attrNameLst>
+                                      </p:cBhvr>
+                                      <p:to>
+                                        <p:strVal val="visible"/>
+                                      </p:to>
+                                    </p:set>
+                                  </p:childTnLst>
+                                </p:cTn>
+                              </p:par>
+                            </p:childTnLst>
+                          </p:cTn>
+                        </p:par>
+                      </p:childTnLst>
+                    </p:cTn>
+                  </p:par>
+                  <p:par>
+                    <p:cTn id="23" fill="hold">
+                      <p:stCondLst>
+                        <p:cond delay="indefinite"/>
+                      </p:stCondLst>
+                      <p:childTnLst>
+                        <p:par>
+                          <p:cTn id="24" fill="hold">
+                            <p:stCondLst>
+                              <p:cond delay="0"/>
+                            </p:stCondLst>
+                            <p:childTnLst>
+                              <p:par>
+                                <p:cTn id="25" presetID="1" presetClass="entr" presetSubtype="0" fill="hold" grpId="0" nodeType="clickEffect">
+                                  <p:stCondLst>
+                                    <p:cond delay="0"/>
+                                  </p:stCondLst>
+                                  <p:childTnLst>
+                                    <p:set>
+                                      <p:cBhvr>
+                                        <p:cTn id="26" dur="1" fill="hold">
+                                          <p:stCondLst>
+                                            <p:cond delay="0"/>
+                                          </p:stCondLst>
+                                        </p:cTn>
+                                        <p:tgtEl>
+                                          <p:spTgt spid="8">
+                                            <p:txEl>
+                                              <p:pRg st="3" end="3"/>
+                                            </p:txEl>
+                                          </p:spTgt>
+                                        </p:tgtEl>
+                                        <p:attrNameLst>
+                                          <p:attrName>style.visibility</p:attrName>
+                                        </p:attrNameLst>
+                                      </p:cBhvr>
+                                      <p:to>
+                                        <p:strVal val="visible"/>
+                                      </p:to>
+                                    </p:set>
+                                  </p:childTnLst>
+                                </p:cTn>
+                              </p:par>
+                            </p:childTnLst>
+                          </p:cTn>
+                        </p:par>
+                      </p:childTnLst>
+                    </p:cTn>
+                  </p:par>
+                  <p:par>
+                    <p:cTn id="27" fill="hold">
+                      <p:stCondLst>
+                        <p:cond delay="indefinite"/>
+                      </p:stCondLst>
+                      <p:childTnLst>
+                        <p:par>
+                          <p:cTn id="28" fill="hold">
+                            <p:stCondLst>
+                              <p:cond delay="0"/>
+                            </p:stCondLst>
+                            <p:childTnLst>
+                              <p:par>
+                                <p:cTn id="29" presetID="1" presetClass="entr" presetSubtype="0" fill="hold" grpId="0" nodeType="clickEffect">
+                                  <p:stCondLst>
+                                    <p:cond delay="0"/>
+                                  </p:stCondLst>
+                                  <p:childTnLst>
+                                    <p:set>
+                                      <p:cBhvr>
+                                        <p:cTn id="30" dur="1" fill="hold">
+                                          <p:stCondLst>
+                                            <p:cond delay="0"/>
+                                          </p:stCondLst>
+                                        </p:cTn>
+                                        <p:tgtEl>
+                                          <p:spTgt spid="8">
+                                            <p:txEl>
+                                              <p:pRg st="4" end="4"/>
+                                            </p:txEl>
+                                          </p:spTgt>
+                                        </p:tgtEl>
+                                        <p:attrNameLst>
+                                          <p:attrName>style.visibility</p:attrName>
+                                        </p:attrNameLst>
+                                      </p:cBhvr>
+                                      <p:to>
+                                        <p:strVal val="visible"/>
+                                      </p:to>
+                                    </p:set>
+                                  </p:childTnLst>
+                                </p:cTn>
+                              </p:par>
+                            </p:childTnLst>
+                          </p:cTn>
+                        </p:par>
+                      </p:childTnLst>
+                    </p:cTn>
+                  </p:par>
+                </p:childTnLst>
+              </p:cTn>
+              <p:prevCondLst>
+                <p:cond evt="onPrev" delay="0">
+                  <p:tgtEl>
+                    <p:sldTgt/>
+                  </p:tgtEl>
+                </p:cond>
+              </p:prevCondLst>
+              <p:nextCondLst>
+                <p:cond evt="onNext" delay="0">
+                  <p:tgtEl>
+                    <p:sldTgt/>
+                  </p:tgtEl>
+                </p:cond>
+              </p:nextCondLst>
+            </p:seq>
+          </p:childTnLst>
+        </p:cTn>
+      </p:par>
+    </p:tnLst>
+    <p:bldLst>
+      <p:bldP spid="8" grpId="0" build="p"/>
+    </p:bldLst>
+  </p:timing>
 </p:sld>
 </file>
 

--- a/Lec-28-29.pptx
+++ b/Lec-28-29.pptx
@@ -313,7 +313,7 @@
               <a:pPr>
                 <a:defRPr/>
               </a:pPr>
-              <a:t>10/27/2025</a:t>
+              <a:t>10/29/2025</a:t>
             </a:fld>
             <a:endParaRPr lang="en-US"/>
           </a:p>
@@ -12205,7 +12205,7 @@
                                           </p:stCondLst>
                                         </p:cTn>
                                         <p:tgtEl>
-                                          <p:spTgt spid="5"/>
+                                          <p:spTgt spid="4"/>
                                         </p:tgtEl>
                                         <p:attrNameLst>
                                           <p:attrName>style.visibility</p:attrName>
@@ -12414,6 +12414,152 @@
           </a:prstGeom>
         </p:spPr>
       </p:pic>
+      <p:pic>
+        <p:nvPicPr>
+          <p:cNvPr id="6" name="Picture 2">
+            <a:extLst>
+              <a:ext uri="{FF2B5EF4-FFF2-40B4-BE49-F238E27FC236}">
+                <a16:creationId xmlns:a16="http://schemas.microsoft.com/office/drawing/2014/main" id="{6E37D633-C209-47CA-9DA7-F484F3F0F993}"/>
+              </a:ext>
+            </a:extLst>
+          </p:cNvPr>
+          <p:cNvPicPr>
+            <a:picLocks noChangeAspect="1" noChangeArrowheads="1"/>
+          </p:cNvPicPr>
+          <p:nvPr/>
+        </p:nvPicPr>
+        <p:blipFill>
+          <a:blip r:embed="rId4">
+            <a:extLst>
+              <a:ext uri="{28A0092B-C50C-407E-A947-70E740481C1C}">
+                <a14:useLocalDpi xmlns:a14="http://schemas.microsoft.com/office/drawing/2010/main" val="0"/>
+              </a:ext>
+            </a:extLst>
+          </a:blip>
+          <a:srcRect/>
+          <a:stretch>
+            <a:fillRect/>
+          </a:stretch>
+        </p:blipFill>
+        <p:spPr bwMode="auto">
+          <a:xfrm>
+            <a:off x="217394" y="3032092"/>
+            <a:ext cx="2986439" cy="3251693"/>
+          </a:xfrm>
+          <a:prstGeom prst="rect">
+            <a:avLst/>
+          </a:prstGeom>
+          <a:noFill/>
+          <a:ln>
+            <a:noFill/>
+          </a:ln>
+          <a:extLst>
+            <a:ext uri="{909E8E84-426E-40DD-AFC4-6F175D3DCCD1}">
+              <a14:hiddenFill xmlns:a14="http://schemas.microsoft.com/office/drawing/2010/main">
+                <a:solidFill>
+                  <a:srgbClr val="FFFFFF"/>
+                </a:solidFill>
+              </a14:hiddenFill>
+            </a:ext>
+            <a:ext uri="{91240B29-F687-4F45-9708-019B960494DF}">
+              <a14:hiddenLine xmlns:a14="http://schemas.microsoft.com/office/drawing/2010/main" w="9525">
+                <a:solidFill>
+                  <a:srgbClr val="000000"/>
+                </a:solidFill>
+                <a:miter lim="800000"/>
+                <a:headEnd/>
+                <a:tailEnd/>
+              </a14:hiddenLine>
+            </a:ext>
+          </a:extLst>
+        </p:spPr>
+      </p:pic>
+      <p:cxnSp>
+        <p:nvCxnSpPr>
+          <p:cNvPr id="8" name="Straight Connector 7">
+            <a:extLst>
+              <a:ext uri="{FF2B5EF4-FFF2-40B4-BE49-F238E27FC236}">
+                <a16:creationId xmlns:a16="http://schemas.microsoft.com/office/drawing/2014/main" id="{0847403F-A901-442E-9099-9F56A7324360}"/>
+              </a:ext>
+            </a:extLst>
+          </p:cNvPr>
+          <p:cNvCxnSpPr>
+            <a:cxnSpLocks/>
+          </p:cNvCxnSpPr>
+          <p:nvPr/>
+        </p:nvCxnSpPr>
+        <p:spPr>
+          <a:xfrm>
+            <a:off x="6065520" y="4114800"/>
+            <a:ext cx="0" cy="889000"/>
+          </a:xfrm>
+          <a:prstGeom prst="line">
+            <a:avLst/>
+          </a:prstGeom>
+          <a:ln w="28575">
+            <a:solidFill>
+              <a:srgbClr val="FF0000"/>
+            </a:solidFill>
+          </a:ln>
+        </p:spPr>
+        <p:style>
+          <a:lnRef idx="1">
+            <a:schemeClr val="accent6"/>
+          </a:lnRef>
+          <a:fillRef idx="0">
+            <a:schemeClr val="accent6"/>
+          </a:fillRef>
+          <a:effectRef idx="0">
+            <a:schemeClr val="accent6"/>
+          </a:effectRef>
+          <a:fontRef idx="minor">
+            <a:schemeClr val="tx1"/>
+          </a:fontRef>
+        </p:style>
+      </p:cxnSp>
+      <p:cxnSp>
+        <p:nvCxnSpPr>
+          <p:cNvPr id="11" name="Straight Connector 10">
+            <a:extLst>
+              <a:ext uri="{FF2B5EF4-FFF2-40B4-BE49-F238E27FC236}">
+                <a16:creationId xmlns:a16="http://schemas.microsoft.com/office/drawing/2014/main" id="{DDF0C1C0-E050-4D28-8514-5F84E59F220F}"/>
+              </a:ext>
+            </a:extLst>
+          </p:cNvPr>
+          <p:cNvCxnSpPr>
+            <a:cxnSpLocks/>
+          </p:cNvCxnSpPr>
+          <p:nvPr/>
+        </p:nvCxnSpPr>
+        <p:spPr>
+          <a:xfrm flipH="1">
+            <a:off x="3962400" y="5003800"/>
+            <a:ext cx="2098040" cy="0"/>
+          </a:xfrm>
+          <a:prstGeom prst="line">
+            <a:avLst/>
+          </a:prstGeom>
+          <a:ln w="28575">
+            <a:solidFill>
+              <a:srgbClr val="FF0000"/>
+            </a:solidFill>
+          </a:ln>
+        </p:spPr>
+        <p:style>
+          <a:lnRef idx="1">
+            <a:schemeClr val="accent6"/>
+          </a:lnRef>
+          <a:fillRef idx="0">
+            <a:schemeClr val="accent6"/>
+          </a:fillRef>
+          <a:effectRef idx="0">
+            <a:schemeClr val="accent6"/>
+          </a:effectRef>
+          <a:fontRef idx="minor">
+            <a:schemeClr val="tx1"/>
+          </a:fontRef>
+        </p:style>
+      </p:cxnSp>
     </p:spTree>
     <p:extLst>
       <p:ext uri="{BB962C8B-B14F-4D97-AF65-F5344CB8AC3E}">
@@ -12552,7 +12698,124 @@
                                           </p:stCondLst>
                                         </p:cTn>
                                         <p:tgtEl>
+                                          <p:spTgt spid="6"/>
+                                        </p:tgtEl>
+                                        <p:attrNameLst>
+                                          <p:attrName>style.visibility</p:attrName>
+                                        </p:attrNameLst>
+                                      </p:cBhvr>
+                                      <p:to>
+                                        <p:strVal val="visible"/>
+                                      </p:to>
+                                    </p:set>
+                                  </p:childTnLst>
+                                </p:cTn>
+                              </p:par>
+                            </p:childTnLst>
+                          </p:cTn>
+                        </p:par>
+                      </p:childTnLst>
+                    </p:cTn>
+                  </p:par>
+                  <p:par>
+                    <p:cTn id="15" fill="hold">
+                      <p:stCondLst>
+                        <p:cond delay="indefinite"/>
+                      </p:stCondLst>
+                      <p:childTnLst>
+                        <p:par>
+                          <p:cTn id="16" fill="hold">
+                            <p:stCondLst>
+                              <p:cond delay="0"/>
+                            </p:stCondLst>
+                            <p:childTnLst>
+                              <p:par>
+                                <p:cTn id="17" presetID="1" presetClass="entr" presetSubtype="0" fill="hold" nodeType="clickEffect">
+                                  <p:stCondLst>
+                                    <p:cond delay="0"/>
+                                  </p:stCondLst>
+                                  <p:childTnLst>
+                                    <p:set>
+                                      <p:cBhvr>
+                                        <p:cTn id="18" dur="1" fill="hold">
+                                          <p:stCondLst>
+                                            <p:cond delay="0"/>
+                                          </p:stCondLst>
+                                        </p:cTn>
+                                        <p:tgtEl>
                                           <p:spTgt spid="7"/>
+                                        </p:tgtEl>
+                                        <p:attrNameLst>
+                                          <p:attrName>style.visibility</p:attrName>
+                                        </p:attrNameLst>
+                                      </p:cBhvr>
+                                      <p:to>
+                                        <p:strVal val="visible"/>
+                                      </p:to>
+                                    </p:set>
+                                  </p:childTnLst>
+                                </p:cTn>
+                              </p:par>
+                            </p:childTnLst>
+                          </p:cTn>
+                        </p:par>
+                      </p:childTnLst>
+                    </p:cTn>
+                  </p:par>
+                  <p:par>
+                    <p:cTn id="19" fill="hold">
+                      <p:stCondLst>
+                        <p:cond delay="indefinite"/>
+                      </p:stCondLst>
+                      <p:childTnLst>
+                        <p:par>
+                          <p:cTn id="20" fill="hold">
+                            <p:stCondLst>
+                              <p:cond delay="0"/>
+                            </p:stCondLst>
+                            <p:childTnLst>
+                              <p:par>
+                                <p:cTn id="21" presetID="1" presetClass="entr" presetSubtype="0" fill="hold" nodeType="clickEffect">
+                                  <p:stCondLst>
+                                    <p:cond delay="0"/>
+                                  </p:stCondLst>
+                                  <p:childTnLst>
+                                    <p:set>
+                                      <p:cBhvr>
+                                        <p:cTn id="22" dur="1" fill="hold">
+                                          <p:stCondLst>
+                                            <p:cond delay="0"/>
+                                          </p:stCondLst>
+                                        </p:cTn>
+                                        <p:tgtEl>
+                                          <p:spTgt spid="8"/>
+                                        </p:tgtEl>
+                                        <p:attrNameLst>
+                                          <p:attrName>style.visibility</p:attrName>
+                                        </p:attrNameLst>
+                                      </p:cBhvr>
+                                      <p:to>
+                                        <p:strVal val="visible"/>
+                                      </p:to>
+                                    </p:set>
+                                  </p:childTnLst>
+                                </p:cTn>
+                              </p:par>
+                              <p:par>
+                                <p:cTn id="23" presetID="1" presetClass="entr" presetSubtype="0" fill="hold" nodeType="withEffect">
+                                  <p:stCondLst>
+                                    <p:cond delay="0"/>
+                                  </p:stCondLst>
+                                  <p:childTnLst>
+                                    <p:set>
+                                      <p:cBhvr>
+                                        <p:cTn id="24" dur="1" fill="hold">
+                                          <p:stCondLst>
+                                            <p:cond delay="0"/>
+                                          </p:stCondLst>
+                                        </p:cTn>
+                                        <p:tgtEl>
+                                          <p:spTgt spid="11"/>
                                         </p:tgtEl>
                                         <p:attrNameLst>
                                           <p:attrName>style.visibility</p:attrName>

--- a/Lec-28-29.pptx
+++ b/Lec-28-29.pptx
@@ -5,7 +5,7 @@
     <p:sldMasterId id="2147483648" r:id="rId1"/>
   </p:sldMasterIdLst>
   <p:notesMasterIdLst>
-    <p:notesMasterId r:id="rId26"/>
+    <p:notesMasterId r:id="rId27"/>
   </p:notesMasterIdLst>
   <p:sldIdLst>
     <p:sldId id="337" r:id="rId2"/>
@@ -32,6 +32,7 @@
     <p:sldId id="421" r:id="rId23"/>
     <p:sldId id="422" r:id="rId24"/>
     <p:sldId id="402" r:id="rId25"/>
+    <p:sldId id="425" r:id="rId26"/>
   </p:sldIdLst>
   <p:sldSz cx="9144000" cy="6858000" type="screen4x3"/>
   <p:notesSz cx="6858000" cy="9144000"/>
@@ -13027,6 +13028,94 @@
 </p:sld>
 </file>
 
+<file path=ppt/slides/slide25.xml><?xml version="1.0" encoding="utf-8"?>
+<p:sld xmlns:a="http://schemas.openxmlformats.org/drawingml/2006/main" xmlns:r="http://schemas.openxmlformats.org/officeDocument/2006/relationships" xmlns:p="http://schemas.openxmlformats.org/presentationml/2006/main">
+  <p:cSld>
+    <p:spTree>
+      <p:nvGrpSpPr>
+        <p:cNvPr id="1" name=""/>
+        <p:cNvGrpSpPr/>
+        <p:nvPr/>
+      </p:nvGrpSpPr>
+      <p:grpSpPr>
+        <a:xfrm>
+          <a:off x="0" y="0"/>
+          <a:ext cx="0" cy="0"/>
+          <a:chOff x="0" y="0"/>
+          <a:chExt cx="0" cy="0"/>
+        </a:xfrm>
+      </p:grpSpPr>
+      <p:pic>
+        <p:nvPicPr>
+          <p:cNvPr id="5" name="Content Placeholder 4">
+            <a:extLst>
+              <a:ext uri="{FF2B5EF4-FFF2-40B4-BE49-F238E27FC236}">
+                <a16:creationId xmlns:a16="http://schemas.microsoft.com/office/drawing/2014/main" id="{F01B6FB1-BE6E-493F-AC9D-E7139065AF29}"/>
+              </a:ext>
+            </a:extLst>
+          </p:cNvPr>
+          <p:cNvPicPr>
+            <a:picLocks noGrp="1" noChangeAspect="1"/>
+          </p:cNvPicPr>
+          <p:nvPr>
+            <p:ph idx="1"/>
+          </p:nvPr>
+        </p:nvPicPr>
+        <p:blipFill>
+          <a:blip r:embed="rId2"/>
+          <a:stretch>
+            <a:fillRect/>
+          </a:stretch>
+        </p:blipFill>
+        <p:spPr>
+          <a:xfrm>
+            <a:off x="4267200" y="3491754"/>
+            <a:ext cx="4724400" cy="3059413"/>
+          </a:xfrm>
+        </p:spPr>
+      </p:pic>
+      <p:pic>
+        <p:nvPicPr>
+          <p:cNvPr id="7" name="Content Placeholder 6">
+            <a:extLst>
+              <a:ext uri="{FF2B5EF4-FFF2-40B4-BE49-F238E27FC236}">
+                <a16:creationId xmlns:a16="http://schemas.microsoft.com/office/drawing/2014/main" id="{7B942CCD-9A1E-49F2-917D-6B0E11FF6C7D}"/>
+              </a:ext>
+            </a:extLst>
+          </p:cNvPr>
+          <p:cNvPicPr>
+            <a:picLocks noGrp="1" noChangeAspect="1"/>
+          </p:cNvPicPr>
+          <p:nvPr>
+            <p:ph sz="quarter" idx="10"/>
+          </p:nvPr>
+        </p:nvPicPr>
+        <p:blipFill>
+          <a:blip r:embed="rId3"/>
+          <a:stretch>
+            <a:fillRect/>
+          </a:stretch>
+        </p:blipFill>
+        <p:spPr>
+          <a:xfrm>
+            <a:off x="76200" y="207707"/>
+            <a:ext cx="8001000" cy="3158540"/>
+          </a:xfrm>
+        </p:spPr>
+      </p:pic>
+    </p:spTree>
+    <p:extLst>
+      <p:ext uri="{BB962C8B-B14F-4D97-AF65-F5344CB8AC3E}">
+        <p14:creationId xmlns:p14="http://schemas.microsoft.com/office/powerpoint/2010/main" val="1101367759"/>
+      </p:ext>
+    </p:extLst>
+  </p:cSld>
+  <p:clrMapOvr>
+    <a:masterClrMapping/>
+  </p:clrMapOvr>
+</p:sld>
+</file>
+
 <file path=ppt/slides/slide3.xml><?xml version="1.0" encoding="utf-8"?>
 <p:sld xmlns:a="http://schemas.openxmlformats.org/drawingml/2006/main" xmlns:r="http://schemas.openxmlformats.org/officeDocument/2006/relationships" xmlns:p="http://schemas.openxmlformats.org/presentationml/2006/main">
   <p:cSld>
